--- a/SalesforceDevTrackingExample.pptx
+++ b/SalesforceDevTrackingExample.pptx
@@ -12,11 +12,11 @@
   </p:handoutMasterIdLst>
   <p:sldIdLst>
     <p:sldId id="273" r:id="rId2"/>
-    <p:sldId id="302" r:id="rId3"/>
-    <p:sldId id="303" r:id="rId4"/>
-    <p:sldId id="310" r:id="rId5"/>
-    <p:sldId id="305" r:id="rId6"/>
-    <p:sldId id="307" r:id="rId7"/>
+    <p:sldId id="313" r:id="rId3"/>
+    <p:sldId id="314" r:id="rId4"/>
+    <p:sldId id="315" r:id="rId5"/>
+    <p:sldId id="316" r:id="rId6"/>
+    <p:sldId id="318" r:id="rId7"/>
     <p:sldId id="311" r:id="rId8"/>
     <p:sldId id="309" r:id="rId9"/>
     <p:sldId id="312" r:id="rId10"/>
@@ -234,7 +234,7 @@
             <a:fld id="{B0AE08DE-E914-4941-B22F-46C30AABB486}" type="datetimeFigureOut">
               <a:rPr lang="en-US" smtClean="0"/>
               <a:pPr/>
-              <a:t>6/2/16</a:t>
+              <a:t>7/7/16</a:t>
             </a:fld>
             <a:endParaRPr lang="en-US"/>
           </a:p>
@@ -402,7 +402,7 @@
             <a:fld id="{3BAAB869-B60C-704A-895F-36597DA525D3}" type="datetimeFigureOut">
               <a:rPr lang="en-US" smtClean="0"/>
               <a:pPr/>
-              <a:t>6/2/16</a:t>
+              <a:t>7/7/16</a:t>
             </a:fld>
             <a:endParaRPr lang="en-US"/>
           </a:p>
@@ -744,7 +744,7 @@
           <a:p>
             <a:fld id="{93BF8A04-BA51-2F4E-97C4-9AA5391DBF55}" type="datetime1">
               <a:rPr lang="en-US" smtClean="0"/>
-              <a:t>6/2/16</a:t>
+              <a:t>7/7/16</a:t>
             </a:fld>
             <a:endParaRPr lang="en-US"/>
           </a:p>
@@ -1153,7 +1153,7 @@
           <a:p>
             <a:fld id="{7F11782B-4B76-8A4A-B6F7-B07ED27A5818}" type="datetime1">
               <a:rPr lang="en-US" smtClean="0"/>
-              <a:t>6/2/16</a:t>
+              <a:t>7/7/16</a:t>
             </a:fld>
             <a:endParaRPr lang="en-US"/>
           </a:p>
@@ -1859,7 +1859,7 @@
           <a:p>
             <a:fld id="{7F11782B-4B76-8A4A-B6F7-B07ED27A5818}" type="datetime1">
               <a:rPr lang="en-US" smtClean="0"/>
-              <a:t>6/2/16</a:t>
+              <a:t>7/7/16</a:t>
             </a:fld>
             <a:endParaRPr lang="en-US"/>
           </a:p>
@@ -2608,7 +2608,7 @@
           <a:p>
             <a:fld id="{7F11782B-4B76-8A4A-B6F7-B07ED27A5818}" type="datetime1">
               <a:rPr lang="en-US" smtClean="0"/>
-              <a:t>6/2/16</a:t>
+              <a:t>7/7/16</a:t>
             </a:fld>
             <a:endParaRPr lang="en-US"/>
           </a:p>
@@ -4146,7 +4146,7 @@
           <a:p>
             <a:fld id="{7F11782B-4B76-8A4A-B6F7-B07ED27A5818}" type="datetime1">
               <a:rPr lang="en-US" smtClean="0"/>
-              <a:t>6/2/16</a:t>
+              <a:t>7/7/16</a:t>
             </a:fld>
             <a:endParaRPr lang="en-US"/>
           </a:p>
@@ -4982,7 +4982,7 @@
           <a:p>
             <a:fld id="{7F11782B-4B76-8A4A-B6F7-B07ED27A5818}" type="datetime1">
               <a:rPr lang="en-US" smtClean="0"/>
-              <a:t>6/2/16</a:t>
+              <a:t>7/7/16</a:t>
             </a:fld>
             <a:endParaRPr lang="en-US"/>
           </a:p>
@@ -5776,7 +5776,7 @@
           <a:p>
             <a:fld id="{7F11782B-4B76-8A4A-B6F7-B07ED27A5818}" type="datetime1">
               <a:rPr lang="en-US" smtClean="0"/>
-              <a:t>6/2/16</a:t>
+              <a:t>7/7/16</a:t>
             </a:fld>
             <a:endParaRPr lang="en-US"/>
           </a:p>
@@ -6403,7 +6403,7 @@
           <a:p>
             <a:fld id="{7F11782B-4B76-8A4A-B6F7-B07ED27A5818}" type="datetime1">
               <a:rPr lang="en-US" smtClean="0"/>
-              <a:t>6/2/16</a:t>
+              <a:t>7/7/16</a:t>
             </a:fld>
             <a:endParaRPr lang="en-US"/>
           </a:p>
@@ -6527,7 +6527,7 @@
           <a:p>
             <a:fld id="{30376EE9-C5ED-B843-9EDB-810FC7486F22}" type="datetime1">
               <a:rPr lang="en-US" smtClean="0"/>
-              <a:t>6/2/16</a:t>
+              <a:t>7/7/16</a:t>
             </a:fld>
             <a:endParaRPr lang="en-US"/>
           </a:p>
@@ -6920,7 +6920,7 @@
           <a:p>
             <a:fld id="{7F11782B-4B76-8A4A-B6F7-B07ED27A5818}" type="datetime1">
               <a:rPr lang="en-US" smtClean="0"/>
-              <a:t>6/2/16</a:t>
+              <a:t>7/7/16</a:t>
             </a:fld>
             <a:endParaRPr lang="en-US"/>
           </a:p>
@@ -7191,7 +7191,7 @@
           <a:p>
             <a:fld id="{7F11782B-4B76-8A4A-B6F7-B07ED27A5818}" type="datetime1">
               <a:rPr lang="en-US" smtClean="0"/>
-              <a:t>6/2/16</a:t>
+              <a:t>7/7/16</a:t>
             </a:fld>
             <a:endParaRPr lang="en-US"/>
           </a:p>
@@ -7546,7 +7546,7 @@
           <a:p>
             <a:fld id="{7F11782B-4B76-8A4A-B6F7-B07ED27A5818}" type="datetime1">
               <a:rPr lang="en-US" smtClean="0"/>
-              <a:t>6/2/16</a:t>
+              <a:t>7/7/16</a:t>
             </a:fld>
             <a:endParaRPr lang="en-US"/>
           </a:p>
@@ -8098,7 +8098,7 @@
           <a:p>
             <a:fld id="{7F11782B-4B76-8A4A-B6F7-B07ED27A5818}" type="datetime1">
               <a:rPr lang="en-US" smtClean="0"/>
-              <a:t>6/2/16</a:t>
+              <a:t>7/7/16</a:t>
             </a:fld>
             <a:endParaRPr lang="en-US"/>
           </a:p>
@@ -9102,7 +9102,7 @@
           <a:p>
             <a:fld id="{7F11782B-4B76-8A4A-B6F7-B07ED27A5818}" type="datetime1">
               <a:rPr lang="en-US" smtClean="0"/>
-              <a:t>6/2/16</a:t>
+              <a:t>7/7/16</a:t>
             </a:fld>
             <a:endParaRPr lang="en-US"/>
           </a:p>
@@ -9600,7 +9600,7 @@
           <a:p>
             <a:fld id="{7F11782B-4B76-8A4A-B6F7-B07ED27A5818}" type="datetime1">
               <a:rPr lang="en-US" smtClean="0"/>
-              <a:t>6/2/16</a:t>
+              <a:t>7/7/16</a:t>
             </a:fld>
             <a:endParaRPr lang="en-US"/>
           </a:p>
@@ -10586,7 +10586,7 @@
           <a:p>
             <a:fld id="{7F11782B-4B76-8A4A-B6F7-B07ED27A5818}" type="datetime1">
               <a:rPr lang="en-US" smtClean="0"/>
-              <a:t>6/2/16</a:t>
+              <a:t>7/7/16</a:t>
             </a:fld>
             <a:endParaRPr lang="en-US"/>
           </a:p>
@@ -11660,7 +11660,7 @@
             <a:fld id="{AC39B047-6FB9-2E4F-B3E2-EC7336E37F0F}" type="datetime1">
               <a:rPr lang="en-US" smtClean="0"/>
               <a:pPr/>
-              <a:t>6/2/16</a:t>
+              <a:t>7/7/16</a:t>
             </a:fld>
             <a:endParaRPr lang="en-US"/>
           </a:p>
@@ -12227,7 +12227,7 @@
         </p:nvSpPr>
         <p:spPr>
           <a:xfrm>
-            <a:off x="0" y="0"/>
+            <a:off x="0" y="-289892"/>
             <a:ext cx="9144000" cy="1128885"/>
           </a:xfrm>
         </p:spPr>
@@ -12239,7 +12239,7 @@
           <a:p>
             <a:r>
               <a:rPr lang="en-US" dirty="0" smtClean="0"/>
-              <a:t>1: Create .properties file for each Salesforce org</a:t>
+              <a:t>This is a sample GitHub project for Salesforce CI</a:t>
             </a:r>
             <a:endParaRPr lang="en-US" dirty="0"/>
           </a:p>
@@ -12262,7 +12262,7 @@
           <a:p>
             <a:fld id="{7F11782B-4B76-8A4A-B6F7-B07ED27A5818}" type="datetime1">
               <a:rPr lang="en-US" smtClean="0"/>
-              <a:t>6/2/16</a:t>
+              <a:t>7/7/16</a:t>
             </a:fld>
             <a:endParaRPr lang="en-US" dirty="0"/>
           </a:p>
@@ -12317,18 +12317,18 @@
       </p:sp>
       <p:sp>
         <p:nvSpPr>
-          <p:cNvPr id="21" name="Content Placeholder 15"/>
-          <p:cNvSpPr>
-            <a:spLocks noGrp="1"/>
-          </p:cNvSpPr>
-          <p:nvPr>
-            <p:ph sz="quarter" idx="4"/>
-          </p:nvPr>
-        </p:nvSpPr>
-        <p:spPr>
-          <a:xfrm>
-            <a:off x="457200" y="1128884"/>
-            <a:ext cx="8229600" cy="5212080"/>
+          <p:cNvPr id="14" name="Content Placeholder 13"/>
+          <p:cNvSpPr>
+            <a:spLocks noGrp="1"/>
+          </p:cNvSpPr>
+          <p:nvPr>
+            <p:ph sz="half" idx="2"/>
+          </p:nvPr>
+        </p:nvSpPr>
+        <p:spPr>
+          <a:xfrm>
+            <a:off x="457200" y="1689842"/>
+            <a:ext cx="8229600" cy="4436321"/>
           </a:xfrm>
         </p:spPr>
         <p:txBody>
@@ -12337,224 +12337,133 @@
           </a:bodyPr>
           <a:lstStyle/>
           <a:p>
-            <a:pPr marL="231775" lvl="1" indent="0">
+            <a:r>
+              <a:rPr lang="en-US" sz="1800" dirty="0" smtClean="0"/>
+              <a:t>The project can be found here:</a:t>
+            </a:r>
+          </a:p>
+          <a:p>
+            <a:pPr marL="517525" lvl="2" indent="0">
               <a:buNone/>
             </a:pPr>
             <a:r>
-              <a:rPr lang="en-US" sz="1400" dirty="0"/>
-              <a:t># </a:t>
-            </a:r>
-            <a:r>
-              <a:rPr lang="en-US" sz="1400" dirty="0" err="1"/>
-              <a:t>dev.properties</a:t>
-            </a:r>
-            <a:r>
-              <a:rPr lang="en-US" sz="1400" dirty="0"/>
-              <a:t> </a:t>
-            </a:r>
-          </a:p>
-          <a:p>
-            <a:pPr marL="231775" lvl="1" indent="0">
-              <a:buNone/>
-            </a:pPr>
-            <a:r>
-              <a:rPr lang="en-US" sz="1400" dirty="0" smtClean="0"/>
-              <a:t># </a:t>
-            </a:r>
-            <a:r>
-              <a:rPr lang="en-US" sz="1400" dirty="0" err="1" smtClean="0"/>
-              <a:t>dev</a:t>
-            </a:r>
-            <a:r>
-              <a:rPr lang="en-US" sz="1400" dirty="0" err="1" smtClean="0"/>
-              <a:t>.properties</a:t>
-            </a:r>
-            <a:r>
-              <a:rPr lang="en-US" sz="1400" dirty="0" smtClean="0"/>
-              <a:t> </a:t>
-            </a:r>
-            <a:r>
-              <a:rPr lang="en-US" sz="1400" dirty="0" smtClean="0"/>
-              <a:t>is default, prefix with org name: </a:t>
-            </a:r>
-            <a:r>
-              <a:rPr lang="en-US" sz="1400" dirty="0" err="1" smtClean="0"/>
-              <a:t>dev.properties</a:t>
-            </a:r>
-            <a:r>
-              <a:rPr lang="en-US" sz="1400" dirty="0" smtClean="0"/>
-              <a:t>, </a:t>
-            </a:r>
-            <a:r>
-              <a:rPr lang="en-US" sz="1400" dirty="0" err="1" smtClean="0"/>
-              <a:t>uat</a:t>
-            </a:r>
-            <a:r>
-              <a:rPr lang="en-US" sz="1400" dirty="0" err="1" smtClean="0"/>
-              <a:t>.properties</a:t>
-            </a:r>
-            <a:r>
-              <a:rPr lang="en-US" sz="1400" dirty="0" smtClean="0"/>
-              <a:t>, etc.</a:t>
-            </a:r>
-          </a:p>
-          <a:p>
-            <a:pPr marL="231775" lvl="1" indent="0">
-              <a:buNone/>
-            </a:pPr>
-            <a:endParaRPr lang="en-US" sz="1400" dirty="0"/>
-          </a:p>
-          <a:p>
-            <a:pPr marL="231775" lvl="1" indent="0">
-              <a:buNone/>
-            </a:pPr>
-            <a:r>
-              <a:rPr lang="en-US" sz="1400" dirty="0" smtClean="0"/>
-              <a:t># org information</a:t>
-            </a:r>
-          </a:p>
-          <a:p>
-            <a:pPr marL="231775" lvl="1" indent="0">
-              <a:buNone/>
-            </a:pPr>
-            <a:r>
-              <a:rPr lang="en-US" sz="1400" dirty="0" err="1" smtClean="0"/>
-              <a:t>sf.username</a:t>
-            </a:r>
-            <a:r>
-              <a:rPr lang="en-US" sz="1400" dirty="0" smtClean="0"/>
-              <a:t> </a:t>
-            </a:r>
-            <a:r>
-              <a:rPr lang="en-US" sz="1400" dirty="0"/>
-              <a:t>= </a:t>
-            </a:r>
-            <a:r>
-              <a:rPr lang="en-US" sz="1400" dirty="0" smtClean="0"/>
-              <a:t>&lt;username&gt;</a:t>
-            </a:r>
-            <a:endParaRPr lang="en-US" sz="1400" dirty="0" smtClean="0"/>
-          </a:p>
-          <a:p>
-            <a:pPr marL="231775" lvl="1" indent="0">
-              <a:buNone/>
-            </a:pPr>
-            <a:r>
-              <a:rPr lang="en-US" sz="1400" dirty="0" err="1" smtClean="0"/>
-              <a:t>sf.password</a:t>
-            </a:r>
-            <a:r>
-              <a:rPr lang="en-US" sz="1400" dirty="0" smtClean="0"/>
-              <a:t> </a:t>
-            </a:r>
-            <a:r>
-              <a:rPr lang="en-US" sz="1400" dirty="0"/>
-              <a:t>= </a:t>
-            </a:r>
-            <a:r>
-              <a:rPr lang="en-US" sz="1400" dirty="0" smtClean="0"/>
-              <a:t>&lt;</a:t>
-            </a:r>
-            <a:r>
-              <a:rPr lang="en-US" sz="1400" dirty="0" err="1" smtClean="0"/>
-              <a:t>password+securitytoken</a:t>
-            </a:r>
-            <a:r>
-              <a:rPr lang="en-US" sz="1400" dirty="0" smtClean="0"/>
-              <a:t>&gt;</a:t>
-            </a:r>
-            <a:endParaRPr lang="en-US" sz="1400" dirty="0" smtClean="0"/>
-          </a:p>
-          <a:p>
-            <a:pPr marL="231775" lvl="1" indent="0">
-              <a:buNone/>
-            </a:pPr>
-            <a:r>
-              <a:rPr lang="en-US" sz="1400" dirty="0" err="1" smtClean="0"/>
-              <a:t>sf.serverurl</a:t>
-            </a:r>
-            <a:r>
-              <a:rPr lang="en-US" sz="1400" dirty="0" smtClean="0"/>
-              <a:t> </a:t>
-            </a:r>
-            <a:r>
-              <a:rPr lang="en-US" sz="1400" dirty="0"/>
-              <a:t>= </a:t>
-            </a:r>
-            <a:r>
-              <a:rPr lang="en-US" sz="1400" dirty="0">
+              <a:rPr lang="en-US" dirty="0" smtClean="0">
                 <a:hlinkClick r:id="rId2"/>
               </a:rPr>
               <a:t>https</a:t>
             </a:r>
             <a:r>
-              <a:rPr lang="en-US" sz="1400" dirty="0" smtClean="0">
+              <a:rPr lang="en-US" dirty="0">
                 <a:hlinkClick r:id="rId2"/>
               </a:rPr>
               <a:t>://</a:t>
             </a:r>
             <a:r>
-              <a:rPr lang="en-US" sz="1400" dirty="0" smtClean="0">
+              <a:rPr lang="en-US" dirty="0" smtClean="0">
                 <a:hlinkClick r:id="rId2"/>
               </a:rPr>
-              <a:t>test</a:t>
-            </a:r>
-            <a:r>
-              <a:rPr lang="en-US" sz="1400" dirty="0" smtClean="0">
-                <a:hlinkClick r:id="rId2"/>
-              </a:rPr>
-              <a:t>.salesforce.com</a:t>
-            </a:r>
-            <a:endParaRPr lang="en-US" sz="1400" dirty="0"/>
-          </a:p>
-          <a:p>
-            <a:pPr marL="231775" lvl="1" indent="0">
-              <a:buNone/>
-            </a:pPr>
+              <a:t>github.com/gary-hamilton/SalesforceDevTrackingExample</a:t>
+            </a:r>
+            <a:r>
+              <a:rPr lang="en-US" dirty="0" smtClean="0"/>
+              <a:t> </a:t>
+            </a:r>
+          </a:p>
+          <a:p>
+            <a:pPr marL="225425" lvl="1" indent="-225425"/>
+            <a:r>
+              <a:rPr lang="en-US" sz="1800" dirty="0"/>
+              <a:t>Project contains the following:</a:t>
+            </a:r>
+          </a:p>
+          <a:p>
+            <a:pPr lvl="1"/>
+            <a:r>
+              <a:rPr lang="en-US" sz="1400" dirty="0" err="1" smtClean="0"/>
+              <a:t>README.md</a:t>
+            </a:r>
+            <a:r>
+              <a:rPr lang="en-US" sz="1400" dirty="0" smtClean="0"/>
+              <a:t> with notes on how to run it</a:t>
+            </a:r>
+          </a:p>
+          <a:p>
+            <a:pPr lvl="1"/>
+            <a:r>
+              <a:rPr lang="en-US" sz="1400" dirty="0" smtClean="0"/>
+              <a:t>build.properties with dummy username and password</a:t>
+            </a:r>
+          </a:p>
+          <a:p>
+            <a:pPr lvl="1"/>
+            <a:r>
+              <a:rPr lang="en-US" sz="1400" dirty="0" smtClean="0"/>
+              <a:t>build.xml with one task: deployCodeCheckOnly</a:t>
+            </a:r>
+          </a:p>
+          <a:p>
+            <a:pPr lvl="1"/>
+            <a:r>
+              <a:rPr lang="en-US" sz="1400" dirty="0" smtClean="0"/>
+              <a:t>unpackaged folder with </a:t>
+            </a:r>
+            <a:r>
+              <a:rPr lang="en-US" sz="1400" dirty="0" err="1" smtClean="0"/>
+              <a:t>package.xml</a:t>
+            </a:r>
+            <a:r>
+              <a:rPr lang="en-US" sz="1400" dirty="0" smtClean="0"/>
+              <a:t> covering generic metadata</a:t>
+            </a:r>
+          </a:p>
+          <a:p>
+            <a:pPr lvl="1"/>
+            <a:r>
+              <a:rPr lang="en-US" sz="1400" dirty="0" err="1" smtClean="0"/>
+              <a:t>SalesforceDevTrackingExample.pptx</a:t>
+            </a:r>
             <a:endParaRPr lang="en-US" sz="1400" dirty="0" smtClean="0"/>
           </a:p>
           <a:p>
-            <a:pPr marL="231775" lvl="1" indent="0">
-              <a:buNone/>
-            </a:pPr>
-            <a:r>
-              <a:rPr lang="en-US" sz="1400" dirty="0" smtClean="0"/>
-              <a:t># metadata folder</a:t>
-            </a:r>
-          </a:p>
-          <a:p>
-            <a:pPr marL="231775" lvl="1" indent="0">
-              <a:buNone/>
-            </a:pPr>
-            <a:r>
-              <a:rPr lang="en-US" sz="1400" dirty="0" err="1" smtClean="0"/>
-              <a:t>metadata.directory</a:t>
-            </a:r>
-            <a:r>
-              <a:rPr lang="en-US" sz="1400" dirty="0" smtClean="0"/>
-              <a:t> </a:t>
-            </a:r>
-            <a:r>
-              <a:rPr lang="en-US" sz="1400" dirty="0"/>
-              <a:t>= </a:t>
-            </a:r>
-            <a:r>
-              <a:rPr lang="en-US" sz="1400" dirty="0" smtClean="0"/>
-              <a:t>dev</a:t>
-            </a:r>
-          </a:p>
-          <a:p>
-            <a:pPr marL="231775" lvl="1" indent="0">
-              <a:buNone/>
-            </a:pPr>
-            <a:endParaRPr lang="en-US" sz="1400" dirty="0" smtClean="0"/>
+            <a:r>
+              <a:rPr lang="en-US" sz="1800" dirty="0" smtClean="0"/>
+              <a:t>Allows quickly creating job to retrieve development metadata</a:t>
+            </a:r>
+          </a:p>
+        </p:txBody>
+      </p:sp>
+      <p:sp>
+        <p:nvSpPr>
+          <p:cNvPr id="13" name="Text Placeholder 12"/>
+          <p:cNvSpPr>
+            <a:spLocks noGrp="1"/>
+          </p:cNvSpPr>
+          <p:nvPr>
+            <p:ph type="body" idx="1"/>
+          </p:nvPr>
+        </p:nvSpPr>
+        <p:spPr>
+          <a:xfrm>
+            <a:off x="457200" y="1135844"/>
+            <a:ext cx="8229600" cy="553998"/>
+          </a:xfrm>
+        </p:spPr>
+        <p:txBody>
+          <a:bodyPr/>
+          <a:lstStyle/>
+          <a:p>
+            <a:r>
+              <a:rPr lang="en-US" dirty="0" smtClean="0"/>
+              <a:t>Overview</a:t>
+            </a:r>
+            <a:endParaRPr lang="en-US" dirty="0"/>
           </a:p>
         </p:txBody>
       </p:sp>
     </p:spTree>
     <p:extLst>
       <p:ext uri="{BB962C8B-B14F-4D97-AF65-F5344CB8AC3E}">
-        <p14:creationId xmlns:p14="http://schemas.microsoft.com/office/powerpoint/2010/main" val="1043805897"/>
+        <p14:creationId xmlns:p14="http://schemas.microsoft.com/office/powerpoint/2010/main" val="2011388995"/>
       </p:ext>
     </p:extLst>
   </p:cSld>
@@ -12611,20 +12520,8 @@
           <a:lstStyle/>
           <a:p>
             <a:r>
-              <a:rPr lang="en-US" dirty="0"/>
-              <a:t>2</a:t>
-            </a:r>
-            <a:r>
-              <a:rPr lang="en-US" dirty="0" smtClean="0"/>
-              <a:t>: Customize </a:t>
-            </a:r>
-            <a:r>
-              <a:rPr lang="en-US" dirty="0" err="1" smtClean="0"/>
-              <a:t>build.xml</a:t>
-            </a:r>
-            <a:r>
-              <a:rPr lang="en-US" dirty="0" smtClean="0"/>
-              <a:t> template</a:t>
+              <a:rPr lang="en-US" dirty="0" smtClean="0"/>
+              <a:t>Here is the GitHub project</a:t>
             </a:r>
             <a:endParaRPr lang="en-US" dirty="0"/>
           </a:p>
@@ -12640,14 +12537,19 @@
             <p:ph type="dt" sz="half" idx="10"/>
           </p:nvPr>
         </p:nvSpPr>
-        <p:spPr/>
+        <p:spPr>
+          <a:xfrm>
+            <a:off x="691116" y="6213392"/>
+            <a:ext cx="2133600" cy="249385"/>
+          </a:xfrm>
+        </p:spPr>
         <p:txBody>
           <a:bodyPr/>
           <a:lstStyle/>
           <a:p>
             <a:fld id="{7F11782B-4B76-8A4A-B6F7-B07ED27A5818}" type="datetime1">
               <a:rPr lang="en-US" smtClean="0"/>
-              <a:t>6/2/16</a:t>
+              <a:t>7/7/16</a:t>
             </a:fld>
             <a:endParaRPr lang="en-US" dirty="0"/>
           </a:p>
@@ -12663,7 +12565,12 @@
             <p:ph type="ftr" sz="quarter" idx="11"/>
           </p:nvPr>
         </p:nvSpPr>
-        <p:spPr/>
+        <p:spPr>
+          <a:xfrm>
+            <a:off x="3358116" y="6213392"/>
+            <a:ext cx="2895600" cy="249385"/>
+          </a:xfrm>
+        </p:spPr>
         <p:txBody>
           <a:bodyPr/>
           <a:lstStyle/>
@@ -12700,547 +12607,46 @@
           </a:p>
         </p:txBody>
       </p:sp>
-      <p:sp>
-        <p:nvSpPr>
-          <p:cNvPr id="21" name="Content Placeholder 15"/>
-          <p:cNvSpPr>
-            <a:spLocks noGrp="1"/>
-          </p:cNvSpPr>
-          <p:nvPr>
-            <p:ph sz="quarter" idx="4"/>
-          </p:nvPr>
-        </p:nvSpPr>
-        <p:spPr>
-          <a:xfrm>
-            <a:off x="457200" y="1128885"/>
-            <a:ext cx="8229600" cy="5773036"/>
-          </a:xfrm>
-        </p:spPr>
-        <p:txBody>
-          <a:bodyPr>
-            <a:normAutofit fontScale="92500"/>
-          </a:bodyPr>
-          <a:lstStyle/>
-          <a:p>
-            <a:pPr marL="231775" lvl="1" indent="0">
-              <a:spcAft>
-                <a:spcPts val="0"/>
-              </a:spcAft>
-              <a:buNone/>
-            </a:pPr>
-            <a:r>
-              <a:rPr lang="en-US" sz="1400" dirty="0"/>
-              <a:t>&lt;project name="Sample Salesforce Ant tasks for multiple orgs" default="</a:t>
-            </a:r>
-            <a:r>
-              <a:rPr lang="en-US" sz="1400" dirty="0" err="1"/>
-              <a:t>retrieveMetadata</a:t>
-            </a:r>
-            <a:r>
-              <a:rPr lang="en-US" sz="1400" dirty="0"/>
-              <a:t>" </a:t>
-            </a:r>
-            <a:r>
-              <a:rPr lang="en-US" sz="1400" dirty="0" err="1"/>
-              <a:t>basedir</a:t>
-            </a:r>
-            <a:r>
-              <a:rPr lang="en-US" sz="1400" dirty="0"/>
-              <a:t>="." </a:t>
-            </a:r>
-            <a:r>
-              <a:rPr lang="en-US" sz="1400" dirty="0" err="1"/>
-              <a:t>xmlns:sf</a:t>
-            </a:r>
-            <a:r>
-              <a:rPr lang="en-US" sz="1400" dirty="0"/>
-              <a:t>="</a:t>
-            </a:r>
-            <a:r>
-              <a:rPr lang="en-US" sz="1400" dirty="0" err="1"/>
-              <a:t>antlib:com.salesforce</a:t>
-            </a:r>
-            <a:r>
-              <a:rPr lang="en-US" sz="1400" dirty="0"/>
-              <a:t>"&gt;</a:t>
-            </a:r>
-          </a:p>
-          <a:p>
-            <a:pPr marL="231775" lvl="1" indent="0">
-              <a:spcAft>
-                <a:spcPts val="0"/>
-              </a:spcAft>
-              <a:buNone/>
-            </a:pPr>
-            <a:endParaRPr lang="en-US" sz="1400" dirty="0"/>
-          </a:p>
-          <a:p>
-            <a:pPr marL="231775" lvl="1" indent="0">
-              <a:spcAft>
-                <a:spcPts val="0"/>
-              </a:spcAft>
-              <a:buNone/>
-            </a:pPr>
-            <a:r>
-              <a:rPr lang="en-US" sz="1400" dirty="0"/>
-              <a:t>    &lt;property environment="</a:t>
-            </a:r>
-            <a:r>
-              <a:rPr lang="en-US" sz="1400" dirty="0" err="1"/>
-              <a:t>env</a:t>
-            </a:r>
-            <a:r>
-              <a:rPr lang="en-US" sz="1400" dirty="0"/>
-              <a:t>"/&gt;</a:t>
-            </a:r>
-          </a:p>
-          <a:p>
-            <a:pPr marL="231775" lvl="1" indent="0">
-              <a:spcAft>
-                <a:spcPts val="0"/>
-              </a:spcAft>
-              <a:buNone/>
-            </a:pPr>
-            <a:r>
-              <a:rPr lang="en-US" sz="1400" dirty="0"/>
-              <a:t> 	&lt;condition property="</a:t>
-            </a:r>
-            <a:r>
-              <a:rPr lang="en-US" sz="1400" dirty="0" err="1"/>
-              <a:t>sf.org</a:t>
-            </a:r>
-            <a:r>
-              <a:rPr lang="en-US" sz="1400" dirty="0"/>
-              <a:t>" value="dev"&gt; &lt;not&gt; &lt;</a:t>
-            </a:r>
-            <a:r>
-              <a:rPr lang="en-US" sz="1400" dirty="0" err="1"/>
-              <a:t>isset</a:t>
-            </a:r>
-            <a:r>
-              <a:rPr lang="en-US" sz="1400" dirty="0"/>
-              <a:t> property="</a:t>
-            </a:r>
-            <a:r>
-              <a:rPr lang="en-US" sz="1400" dirty="0" err="1"/>
-              <a:t>sf.org</a:t>
-            </a:r>
-            <a:r>
-              <a:rPr lang="en-US" sz="1400" dirty="0"/>
-              <a:t>"/&gt; &lt;/not&gt; &lt;/condition&gt;</a:t>
-            </a:r>
-          </a:p>
-          <a:p>
-            <a:pPr marL="231775" lvl="1" indent="0">
-              <a:spcAft>
-                <a:spcPts val="0"/>
-              </a:spcAft>
-              <a:buNone/>
-            </a:pPr>
-            <a:r>
-              <a:rPr lang="en-US" sz="1400" dirty="0"/>
-              <a:t>    &lt;property file="${</a:t>
-            </a:r>
-            <a:r>
-              <a:rPr lang="en-US" sz="1400" dirty="0" err="1"/>
-              <a:t>sf.org</a:t>
-            </a:r>
-            <a:r>
-              <a:rPr lang="en-US" sz="1400" dirty="0"/>
-              <a:t>}.properties"/&gt;</a:t>
-            </a:r>
-          </a:p>
-          <a:p>
-            <a:pPr marL="231775" lvl="1" indent="0">
-              <a:spcAft>
-                <a:spcPts val="0"/>
-              </a:spcAft>
-              <a:buNone/>
-            </a:pPr>
-            <a:endParaRPr lang="en-US" sz="1400" dirty="0"/>
-          </a:p>
-          <a:p>
-            <a:pPr marL="231775" lvl="1" indent="0">
-              <a:spcAft>
-                <a:spcPts val="0"/>
-              </a:spcAft>
-              <a:buNone/>
-            </a:pPr>
-            <a:r>
-              <a:rPr lang="en-US" sz="1400" dirty="0"/>
-              <a:t>    &lt;!-- Setting default value for username, password and session id properties to empty string </a:t>
-            </a:r>
-          </a:p>
-          <a:p>
-            <a:pPr marL="231775" lvl="1" indent="0">
-              <a:spcAft>
-                <a:spcPts val="0"/>
-              </a:spcAft>
-              <a:buNone/>
-            </a:pPr>
-            <a:r>
-              <a:rPr lang="en-US" sz="1400" dirty="0"/>
-              <a:t>         so unset values are treated as empty. Without this, ant expressions such as ${</a:t>
-            </a:r>
-            <a:r>
-              <a:rPr lang="en-US" sz="1400" dirty="0" err="1"/>
-              <a:t>sf.username</a:t>
-            </a:r>
-            <a:r>
-              <a:rPr lang="en-US" sz="1400" dirty="0"/>
-              <a:t>}</a:t>
-            </a:r>
-          </a:p>
-          <a:p>
-            <a:pPr marL="231775" lvl="1" indent="0">
-              <a:spcAft>
-                <a:spcPts val="0"/>
-              </a:spcAft>
-              <a:buNone/>
-            </a:pPr>
-            <a:r>
-              <a:rPr lang="en-US" sz="1400" dirty="0"/>
-              <a:t>         will be treated literally.</a:t>
-            </a:r>
-          </a:p>
-          <a:p>
-            <a:pPr marL="231775" lvl="1" indent="0">
-              <a:spcAft>
-                <a:spcPts val="0"/>
-              </a:spcAft>
-              <a:buNone/>
-            </a:pPr>
-            <a:r>
-              <a:rPr lang="en-US" sz="1400" dirty="0"/>
-              <a:t>    --&gt;</a:t>
-            </a:r>
-          </a:p>
-          <a:p>
-            <a:pPr marL="231775" lvl="1" indent="0">
-              <a:spcAft>
-                <a:spcPts val="0"/>
-              </a:spcAft>
-              <a:buNone/>
-            </a:pPr>
-            <a:r>
-              <a:rPr lang="en-US" sz="1400" dirty="0"/>
-              <a:t>    &lt;condition property="</a:t>
-            </a:r>
-            <a:r>
-              <a:rPr lang="en-US" sz="1400" dirty="0" err="1"/>
-              <a:t>sf.username</a:t>
-            </a:r>
-            <a:r>
-              <a:rPr lang="en-US" sz="1400" dirty="0"/>
-              <a:t>" value=""&gt; &lt;not&gt; &lt;</a:t>
-            </a:r>
-            <a:r>
-              <a:rPr lang="en-US" sz="1400" dirty="0" err="1"/>
-              <a:t>isset</a:t>
-            </a:r>
-            <a:r>
-              <a:rPr lang="en-US" sz="1400" dirty="0"/>
-              <a:t> property="</a:t>
-            </a:r>
-            <a:r>
-              <a:rPr lang="en-US" sz="1400" dirty="0" err="1"/>
-              <a:t>sf.username</a:t>
-            </a:r>
-            <a:r>
-              <a:rPr lang="en-US" sz="1400" dirty="0"/>
-              <a:t>"/&gt; &lt;/not&gt; &lt;/condition&gt;</a:t>
-            </a:r>
-          </a:p>
-          <a:p>
-            <a:pPr marL="231775" lvl="1" indent="0">
-              <a:spcAft>
-                <a:spcPts val="0"/>
-              </a:spcAft>
-              <a:buNone/>
-            </a:pPr>
-            <a:r>
-              <a:rPr lang="en-US" sz="1400" dirty="0"/>
-              <a:t>    &lt;condition property="</a:t>
-            </a:r>
-            <a:r>
-              <a:rPr lang="en-US" sz="1400" dirty="0" err="1"/>
-              <a:t>sf.password</a:t>
-            </a:r>
-            <a:r>
-              <a:rPr lang="en-US" sz="1400" dirty="0"/>
-              <a:t>" value=""&gt; &lt;not&gt; &lt;</a:t>
-            </a:r>
-            <a:r>
-              <a:rPr lang="en-US" sz="1400" dirty="0" err="1"/>
-              <a:t>isset</a:t>
-            </a:r>
-            <a:r>
-              <a:rPr lang="en-US" sz="1400" dirty="0"/>
-              <a:t> property="</a:t>
-            </a:r>
-            <a:r>
-              <a:rPr lang="en-US" sz="1400" dirty="0" err="1"/>
-              <a:t>sf.password</a:t>
-            </a:r>
-            <a:r>
-              <a:rPr lang="en-US" sz="1400" dirty="0"/>
-              <a:t>"/&gt; &lt;/not&gt; &lt;/condition&gt;</a:t>
-            </a:r>
-          </a:p>
-          <a:p>
-            <a:pPr marL="231775" lvl="1" indent="0">
-              <a:spcAft>
-                <a:spcPts val="0"/>
-              </a:spcAft>
-              <a:buNone/>
-            </a:pPr>
-            <a:r>
-              <a:rPr lang="en-US" sz="1400" dirty="0"/>
-              <a:t>    &lt;condition property="</a:t>
-            </a:r>
-            <a:r>
-              <a:rPr lang="en-US" sz="1400" dirty="0" err="1"/>
-              <a:t>sf.sessionId</a:t>
-            </a:r>
-            <a:r>
-              <a:rPr lang="en-US" sz="1400" dirty="0"/>
-              <a:t>" value=""&gt; &lt;not&gt; &lt;</a:t>
-            </a:r>
-            <a:r>
-              <a:rPr lang="en-US" sz="1400" dirty="0" err="1"/>
-              <a:t>isset</a:t>
-            </a:r>
-            <a:r>
-              <a:rPr lang="en-US" sz="1400" dirty="0"/>
-              <a:t> property="</a:t>
-            </a:r>
-            <a:r>
-              <a:rPr lang="en-US" sz="1400" dirty="0" err="1"/>
-              <a:t>sf.sessionId</a:t>
-            </a:r>
-            <a:r>
-              <a:rPr lang="en-US" sz="1400" dirty="0"/>
-              <a:t>"/&gt; &lt;/not&gt; &lt;/condition&gt;    </a:t>
-            </a:r>
-          </a:p>
-          <a:p>
-            <a:pPr marL="231775" lvl="1" indent="0">
-              <a:spcAft>
-                <a:spcPts val="0"/>
-              </a:spcAft>
-              <a:buNone/>
-            </a:pPr>
-            <a:r>
-              <a:rPr lang="en-US" sz="1400" dirty="0"/>
-              <a:t>	</a:t>
-            </a:r>
-          </a:p>
-          <a:p>
-            <a:pPr marL="231775" lvl="1" indent="0">
-              <a:spcAft>
-                <a:spcPts val="0"/>
-              </a:spcAft>
-              <a:buNone/>
-            </a:pPr>
-            <a:r>
-              <a:rPr lang="en-US" sz="1400" dirty="0"/>
-              <a:t>    &lt;</a:t>
-            </a:r>
-            <a:r>
-              <a:rPr lang="en-US" sz="1400" dirty="0" err="1"/>
-              <a:t>taskdef</a:t>
-            </a:r>
-            <a:r>
-              <a:rPr lang="en-US" sz="1400" dirty="0"/>
-              <a:t> resource="com/salesforce/</a:t>
-            </a:r>
-            <a:r>
-              <a:rPr lang="en-US" sz="1400" dirty="0" err="1"/>
-              <a:t>antlib.xml</a:t>
-            </a:r>
-            <a:r>
-              <a:rPr lang="en-US" sz="1400" dirty="0"/>
-              <a:t>" </a:t>
-            </a:r>
-            <a:r>
-              <a:rPr lang="en-US" sz="1400" dirty="0" err="1"/>
-              <a:t>uri</a:t>
-            </a:r>
-            <a:r>
-              <a:rPr lang="en-US" sz="1400" dirty="0"/>
-              <a:t>="</a:t>
-            </a:r>
-            <a:r>
-              <a:rPr lang="en-US" sz="1400" dirty="0" err="1"/>
-              <a:t>antlib:com.salesforce</a:t>
-            </a:r>
-            <a:r>
-              <a:rPr lang="en-US" sz="1400" dirty="0"/>
-              <a:t>"&gt;</a:t>
-            </a:r>
-          </a:p>
-          <a:p>
-            <a:pPr marL="231775" lvl="1" indent="0">
-              <a:spcAft>
-                <a:spcPts val="0"/>
-              </a:spcAft>
-              <a:buNone/>
-            </a:pPr>
-            <a:r>
-              <a:rPr lang="en-US" sz="1400" dirty="0"/>
-              <a:t>        &lt;</a:t>
-            </a:r>
-            <a:r>
-              <a:rPr lang="en-US" sz="1400" dirty="0" err="1"/>
-              <a:t>classpath</a:t>
-            </a:r>
-            <a:r>
-              <a:rPr lang="en-US" sz="1400" dirty="0"/>
-              <a:t>&gt;</a:t>
-            </a:r>
-          </a:p>
-          <a:p>
-            <a:pPr marL="231775" lvl="1" indent="0">
-              <a:spcAft>
-                <a:spcPts val="0"/>
-              </a:spcAft>
-              <a:buNone/>
-            </a:pPr>
-            <a:r>
-              <a:rPr lang="en-US" sz="1400" dirty="0"/>
-              <a:t>            &lt;</a:t>
-            </a:r>
-            <a:r>
-              <a:rPr lang="en-US" sz="1400" dirty="0" err="1"/>
-              <a:t>pathelement</a:t>
-            </a:r>
-            <a:r>
-              <a:rPr lang="en-US" sz="1400" dirty="0"/>
-              <a:t> location="../ant-</a:t>
-            </a:r>
-            <a:r>
-              <a:rPr lang="en-US" sz="1400" dirty="0" err="1"/>
-              <a:t>salesforce.jar</a:t>
-            </a:r>
-            <a:r>
-              <a:rPr lang="en-US" sz="1400" dirty="0"/>
-              <a:t>" /&gt;        	</a:t>
-            </a:r>
-          </a:p>
-          <a:p>
-            <a:pPr marL="231775" lvl="1" indent="0">
-              <a:spcAft>
-                <a:spcPts val="0"/>
-              </a:spcAft>
-              <a:buNone/>
-            </a:pPr>
-            <a:r>
-              <a:rPr lang="en-US" sz="1400" dirty="0"/>
-              <a:t>        &lt;/</a:t>
-            </a:r>
-            <a:r>
-              <a:rPr lang="en-US" sz="1400" dirty="0" err="1"/>
-              <a:t>classpath</a:t>
-            </a:r>
-            <a:r>
-              <a:rPr lang="en-US" sz="1400" dirty="0"/>
-              <a:t>&gt;</a:t>
-            </a:r>
-          </a:p>
-          <a:p>
-            <a:pPr marL="231775" lvl="1" indent="0">
-              <a:spcAft>
-                <a:spcPts val="0"/>
-              </a:spcAft>
-              <a:buNone/>
-            </a:pPr>
-            <a:r>
-              <a:rPr lang="en-US" sz="1400" dirty="0"/>
-              <a:t>    &lt;/</a:t>
-            </a:r>
-            <a:r>
-              <a:rPr lang="en-US" sz="1400" dirty="0" err="1"/>
-              <a:t>taskdef</a:t>
-            </a:r>
-            <a:r>
-              <a:rPr lang="en-US" sz="1400" dirty="0"/>
-              <a:t>&gt;</a:t>
-            </a:r>
-          </a:p>
-          <a:p>
-            <a:pPr marL="231775" lvl="1" indent="0">
-              <a:spcAft>
-                <a:spcPts val="0"/>
-              </a:spcAft>
-              <a:buNone/>
-            </a:pPr>
-            <a:r>
-              <a:rPr lang="en-US" sz="1400" dirty="0"/>
-              <a:t> </a:t>
-            </a:r>
-            <a:endParaRPr lang="en-US" sz="1400" dirty="0"/>
-          </a:p>
-          <a:p>
-            <a:pPr marL="231775" lvl="1" indent="0">
-              <a:spcAft>
-                <a:spcPts val="0"/>
-              </a:spcAft>
-              <a:buNone/>
-            </a:pPr>
-            <a:r>
-              <a:rPr lang="en-US" sz="1200" dirty="0"/>
-              <a:t> </a:t>
-            </a:r>
-          </a:p>
-        </p:txBody>
-      </p:sp>
-      <p:sp>
-        <p:nvSpPr>
-          <p:cNvPr id="6" name="TextBox 5"/>
-          <p:cNvSpPr txBox="1"/>
+      <p:pic>
+        <p:nvPicPr>
+          <p:cNvPr id="5" name="Picture 4"/>
+          <p:cNvPicPr>
+            <a:picLocks noChangeAspect="1"/>
+          </p:cNvPicPr>
           <p:nvPr/>
-        </p:nvSpPr>
-        <p:spPr>
-          <a:xfrm>
-            <a:off x="7588102" y="6061006"/>
-            <a:ext cx="1632098" cy="369332"/>
+        </p:nvPicPr>
+        <p:blipFill rotWithShape="1">
+          <a:blip r:embed="rId2">
+            <a:extLst>
+              <a:ext uri="{28A0092B-C50C-407E-A947-70E740481C1C}">
+                <a14:useLocalDpi xmlns:a14="http://schemas.microsoft.com/office/drawing/2010/main" val="0"/>
+              </a:ext>
+            </a:extLst>
+          </a:blip>
+          <a:srcRect l="-8" r="8" b="33466"/>
+          <a:stretch/>
+        </p:blipFill>
+        <p:spPr>
+          <a:xfrm>
+            <a:off x="2069734" y="899697"/>
+            <a:ext cx="5298629" cy="5214839"/>
           </a:xfrm>
           <a:prstGeom prst="rect">
             <a:avLst/>
           </a:prstGeom>
-          <a:solidFill>
-            <a:schemeClr val="bg1"/>
-          </a:solidFill>
-          <a:ln>
-            <a:solidFill>
-              <a:schemeClr val="accent1">
-                <a:lumMod val="75000"/>
-              </a:schemeClr>
-            </a:solidFill>
-          </a:ln>
-        </p:spPr>
-        <p:txBody>
-          <a:bodyPr wrap="square" rtlCol="0">
-            <a:spAutoFit/>
-          </a:bodyPr>
-          <a:lstStyle/>
-          <a:p>
-            <a:r>
-              <a:rPr lang="en-US" dirty="0" smtClean="0"/>
-              <a:t>Continued</a:t>
-            </a:r>
-            <a:r>
-              <a:rPr lang="is-IS" dirty="0" smtClean="0"/>
-              <a:t>…</a:t>
-            </a:r>
-            <a:endParaRPr lang="en-US" dirty="0"/>
-          </a:p>
-        </p:txBody>
-      </p:sp>
+          <a:effectLst>
+            <a:outerShdw blurRad="50800" dist="38100" dir="2700000" algn="tl" rotWithShape="0">
+              <a:prstClr val="black">
+                <a:alpha val="40000"/>
+              </a:prstClr>
+            </a:outerShdw>
+          </a:effectLst>
+        </p:spPr>
+      </p:pic>
     </p:spTree>
     <p:extLst>
       <p:ext uri="{BB962C8B-B14F-4D97-AF65-F5344CB8AC3E}">
-        <p14:creationId xmlns:p14="http://schemas.microsoft.com/office/powerpoint/2010/main" val="1956888182"/>
+        <p14:creationId xmlns:p14="http://schemas.microsoft.com/office/powerpoint/2010/main" val="2047657763"/>
       </p:ext>
     </p:extLst>
   </p:cSld>
@@ -13297,24 +12703,8 @@
           <a:lstStyle/>
           <a:p>
             <a:r>
-              <a:rPr lang="en-US" dirty="0"/>
-              <a:t>2</a:t>
-            </a:r>
-            <a:r>
-              <a:rPr lang="en-US" dirty="0" smtClean="0"/>
-              <a:t>: </a:t>
-            </a:r>
-            <a:r>
-              <a:rPr lang="en-US" dirty="0" smtClean="0"/>
-              <a:t>(Continued) Customize </a:t>
-            </a:r>
-            <a:r>
-              <a:rPr lang="en-US" dirty="0" err="1" smtClean="0"/>
-              <a:t>build.xml</a:t>
-            </a:r>
-            <a:r>
-              <a:rPr lang="en-US" dirty="0" smtClean="0"/>
-              <a:t> template</a:t>
+              <a:rPr lang="en-US" dirty="0" smtClean="0"/>
+              <a:t>Before you create the project</a:t>
             </a:r>
             <a:endParaRPr lang="en-US" dirty="0"/>
           </a:p>
@@ -13337,7 +12727,7 @@
           <a:p>
             <a:fld id="{7F11782B-4B76-8A4A-B6F7-B07ED27A5818}" type="datetime1">
               <a:rPr lang="en-US" smtClean="0"/>
-              <a:t>6/2/16</a:t>
+              <a:t>7/7/16</a:t>
             </a:fld>
             <a:endParaRPr lang="en-US" dirty="0"/>
           </a:p>
@@ -13392,18 +12782,18 @@
       </p:sp>
       <p:sp>
         <p:nvSpPr>
-          <p:cNvPr id="21" name="Content Placeholder 15"/>
-          <p:cNvSpPr>
-            <a:spLocks noGrp="1"/>
-          </p:cNvSpPr>
-          <p:nvPr>
-            <p:ph sz="quarter" idx="4"/>
+          <p:cNvPr id="8" name="Content Placeholder 13"/>
+          <p:cNvSpPr>
+            <a:spLocks noGrp="1"/>
+          </p:cNvSpPr>
+          <p:nvPr>
+            <p:ph sz="half" idx="2"/>
           </p:nvPr>
         </p:nvSpPr>
         <p:spPr>
           <a:xfrm>
             <a:off x="457200" y="1128885"/>
-            <a:ext cx="8229600" cy="5773036"/>
+            <a:ext cx="8229600" cy="4436321"/>
           </a:xfrm>
         </p:spPr>
         <p:txBody>
@@ -13412,436 +12802,74 @@
           </a:bodyPr>
           <a:lstStyle/>
           <a:p>
-            <a:pPr marL="231775" lvl="1" indent="0">
-              <a:spcAft>
-                <a:spcPts val="0"/>
-              </a:spcAft>
-              <a:buNone/>
-            </a:pPr>
-            <a:r>
-              <a:rPr lang="en-US" sz="1200" dirty="0"/>
-              <a:t> </a:t>
-            </a:r>
-            <a:r>
-              <a:rPr lang="en-US" sz="1400" dirty="0"/>
-              <a:t>	&lt;!-- Retrieve metadata from org --&gt;	</a:t>
-            </a:r>
-          </a:p>
-          <a:p>
-            <a:pPr marL="231775" lvl="1" indent="0">
-              <a:spcAft>
-                <a:spcPts val="0"/>
-              </a:spcAft>
-              <a:buNone/>
-            </a:pPr>
-            <a:r>
-              <a:rPr lang="en-US" sz="1400" dirty="0"/>
-              <a:t>	&lt;target name="</a:t>
-            </a:r>
-            <a:r>
-              <a:rPr lang="en-US" sz="1400" dirty="0" err="1"/>
-              <a:t>retrieveMetadata</a:t>
-            </a:r>
-            <a:r>
-              <a:rPr lang="en-US" sz="1400" dirty="0"/>
-              <a:t>"&gt;	</a:t>
-            </a:r>
-          </a:p>
-          <a:p>
-            <a:pPr marL="231775" lvl="1" indent="0">
-              <a:spcAft>
-                <a:spcPts val="0"/>
-              </a:spcAft>
-              <a:buNone/>
-            </a:pPr>
-            <a:r>
-              <a:rPr lang="en-US" sz="1400" dirty="0"/>
-              <a:t>		&lt;echo&gt;</a:t>
-            </a:r>
-          </a:p>
-          <a:p>
-            <a:pPr marL="231775" lvl="1" indent="0">
-              <a:spcAft>
-                <a:spcPts val="0"/>
-              </a:spcAft>
-              <a:buNone/>
-            </a:pPr>
-            <a:r>
-              <a:rPr lang="en-US" sz="1400" dirty="0"/>
-              <a:t>properties file    : ${</a:t>
-            </a:r>
-            <a:r>
-              <a:rPr lang="en-US" sz="1400" dirty="0" err="1"/>
-              <a:t>sf.org</a:t>
-            </a:r>
-            <a:r>
-              <a:rPr lang="en-US" sz="1400" dirty="0"/>
-              <a:t>}.properties</a:t>
-            </a:r>
-          </a:p>
-          <a:p>
-            <a:pPr marL="231775" lvl="1" indent="0">
-              <a:spcAft>
-                <a:spcPts val="0"/>
-              </a:spcAft>
-              <a:buNone/>
-            </a:pPr>
-            <a:r>
-              <a:rPr lang="en-US" sz="1400" dirty="0" err="1"/>
-              <a:t>sf.username</a:t>
-            </a:r>
-            <a:r>
-              <a:rPr lang="en-US" sz="1400" dirty="0"/>
-              <a:t>        : ${</a:t>
-            </a:r>
-            <a:r>
-              <a:rPr lang="en-US" sz="1400" dirty="0" err="1"/>
-              <a:t>sf.username</a:t>
-            </a:r>
-            <a:r>
-              <a:rPr lang="en-US" sz="1400" dirty="0"/>
-              <a:t>}</a:t>
-            </a:r>
-          </a:p>
-          <a:p>
-            <a:pPr marL="231775" lvl="1" indent="0">
-              <a:spcAft>
-                <a:spcPts val="0"/>
-              </a:spcAft>
-              <a:buNone/>
-            </a:pPr>
-            <a:r>
-              <a:rPr lang="en-US" sz="1400" dirty="0" err="1"/>
-              <a:t>sf.serverurl</a:t>
-            </a:r>
-            <a:r>
-              <a:rPr lang="en-US" sz="1400" dirty="0"/>
-              <a:t>       : ${</a:t>
-            </a:r>
-            <a:r>
-              <a:rPr lang="en-US" sz="1400" dirty="0" err="1"/>
-              <a:t>sf.serverurl</a:t>
-            </a:r>
-            <a:r>
-              <a:rPr lang="en-US" sz="1400" dirty="0"/>
-              <a:t>}</a:t>
-            </a:r>
-          </a:p>
-          <a:p>
-            <a:pPr marL="231775" lvl="1" indent="0">
-              <a:spcAft>
-                <a:spcPts val="0"/>
-              </a:spcAft>
-              <a:buNone/>
-            </a:pPr>
-            <a:r>
-              <a:rPr lang="en-US" sz="1400" dirty="0" err="1"/>
-              <a:t>metadata.directory</a:t>
-            </a:r>
-            <a:r>
-              <a:rPr lang="en-US" sz="1400" dirty="0"/>
-              <a:t> : ${</a:t>
-            </a:r>
-            <a:r>
-              <a:rPr lang="en-US" sz="1400" dirty="0" err="1"/>
-              <a:t>metadata.directory</a:t>
-            </a:r>
-            <a:r>
-              <a:rPr lang="en-US" sz="1400" dirty="0"/>
-              <a:t>}</a:t>
-            </a:r>
-          </a:p>
-          <a:p>
-            <a:pPr marL="231775" lvl="1" indent="0">
-              <a:spcAft>
-                <a:spcPts val="0"/>
-              </a:spcAft>
-              <a:buNone/>
-            </a:pPr>
-            <a:r>
-              <a:rPr lang="en-US" sz="1400" dirty="0"/>
-              <a:t>		&lt;/echo&gt;		</a:t>
-            </a:r>
-          </a:p>
-          <a:p>
-            <a:pPr marL="231775" lvl="1" indent="0">
-              <a:spcAft>
-                <a:spcPts val="0"/>
-              </a:spcAft>
-              <a:buNone/>
-            </a:pPr>
-            <a:r>
-              <a:rPr lang="en-US" sz="1400" dirty="0"/>
-              <a:t>		&lt;</a:t>
-            </a:r>
-            <a:r>
-              <a:rPr lang="en-US" sz="1400" dirty="0" err="1"/>
-              <a:t>mkdir</a:t>
-            </a:r>
-            <a:r>
-              <a:rPr lang="en-US" sz="1400" dirty="0"/>
-              <a:t> </a:t>
-            </a:r>
-            <a:r>
-              <a:rPr lang="en-US" sz="1400" dirty="0" err="1"/>
-              <a:t>dir</a:t>
-            </a:r>
-            <a:r>
-              <a:rPr lang="en-US" sz="1400" dirty="0"/>
-              <a:t>="${</a:t>
-            </a:r>
-            <a:r>
-              <a:rPr lang="en-US" sz="1400" dirty="0" err="1"/>
-              <a:t>metadata.directory</a:t>
-            </a:r>
-            <a:r>
-              <a:rPr lang="en-US" sz="1400" dirty="0"/>
-              <a:t>}"/&gt;</a:t>
-            </a:r>
-          </a:p>
-          <a:p>
-            <a:pPr marL="231775" lvl="1" indent="0">
-              <a:spcAft>
-                <a:spcPts val="0"/>
-              </a:spcAft>
-              <a:buNone/>
-            </a:pPr>
-            <a:r>
-              <a:rPr lang="en-US" sz="1400" dirty="0"/>
-              <a:t>		&lt;delete </a:t>
-            </a:r>
-            <a:r>
-              <a:rPr lang="en-US" sz="1400" dirty="0" err="1"/>
-              <a:t>includeEmptyDirs</a:t>
-            </a:r>
-            <a:r>
-              <a:rPr lang="en-US" sz="1400" dirty="0"/>
-              <a:t>="true"&gt; &lt;</a:t>
-            </a:r>
-            <a:r>
-              <a:rPr lang="en-US" sz="1400" dirty="0" err="1"/>
-              <a:t>fileset</a:t>
-            </a:r>
-            <a:r>
-              <a:rPr lang="en-US" sz="1400" dirty="0"/>
-              <a:t> </a:t>
-            </a:r>
-            <a:r>
-              <a:rPr lang="en-US" sz="1400" dirty="0" err="1"/>
-              <a:t>dir</a:t>
-            </a:r>
-            <a:r>
-              <a:rPr lang="en-US" sz="1400" dirty="0"/>
-              <a:t>="${</a:t>
-            </a:r>
-            <a:r>
-              <a:rPr lang="en-US" sz="1400" dirty="0" err="1"/>
-              <a:t>metadata.directory</a:t>
-            </a:r>
-            <a:r>
-              <a:rPr lang="en-US" sz="1400" dirty="0"/>
-              <a:t>}" includes="**/*"/&gt; &lt;/delete&gt;</a:t>
-            </a:r>
-          </a:p>
-          <a:p>
-            <a:pPr marL="231775" lvl="1" indent="0">
-              <a:spcAft>
-                <a:spcPts val="0"/>
-              </a:spcAft>
-              <a:buNone/>
-            </a:pPr>
-            <a:r>
-              <a:rPr lang="en-US" sz="1400" dirty="0"/>
-              <a:t>		&lt;</a:t>
-            </a:r>
-            <a:r>
-              <a:rPr lang="en-US" sz="1400" dirty="0" err="1"/>
-              <a:t>sf:retrieve</a:t>
-            </a:r>
-            <a:r>
-              <a:rPr lang="en-US" sz="1400" dirty="0"/>
-              <a:t> username="${</a:t>
-            </a:r>
-            <a:r>
-              <a:rPr lang="en-US" sz="1400" dirty="0" err="1"/>
-              <a:t>sf.username</a:t>
-            </a:r>
-            <a:r>
-              <a:rPr lang="en-US" sz="1400" dirty="0"/>
-              <a:t>}" password="${</a:t>
-            </a:r>
-            <a:r>
-              <a:rPr lang="en-US" sz="1400" dirty="0" err="1"/>
-              <a:t>sf.password</a:t>
-            </a:r>
-            <a:r>
-              <a:rPr lang="en-US" sz="1400" dirty="0"/>
-              <a:t>}" </a:t>
-            </a:r>
-          </a:p>
-          <a:p>
-            <a:pPr marL="231775" lvl="1" indent="0">
-              <a:spcAft>
-                <a:spcPts val="0"/>
-              </a:spcAft>
-              <a:buNone/>
-            </a:pPr>
-            <a:r>
-              <a:rPr lang="en-US" sz="1400" dirty="0"/>
-              <a:t>      	</a:t>
-            </a:r>
-            <a:r>
-              <a:rPr lang="en-US" sz="1400" dirty="0" err="1"/>
-              <a:t>sessionId</a:t>
-            </a:r>
-            <a:r>
-              <a:rPr lang="en-US" sz="1400" dirty="0"/>
-              <a:t>="${</a:t>
-            </a:r>
-            <a:r>
-              <a:rPr lang="en-US" sz="1400" dirty="0" err="1"/>
-              <a:t>sf.sessionId</a:t>
-            </a:r>
-            <a:r>
-              <a:rPr lang="en-US" sz="1400" dirty="0"/>
-              <a:t>}" </a:t>
-            </a:r>
-            <a:r>
-              <a:rPr lang="en-US" sz="1400" dirty="0" err="1"/>
-              <a:t>serverurl</a:t>
-            </a:r>
-            <a:r>
-              <a:rPr lang="en-US" sz="1400" dirty="0"/>
-              <a:t>="${</a:t>
-            </a:r>
-            <a:r>
-              <a:rPr lang="en-US" sz="1400" dirty="0" err="1"/>
-              <a:t>sf.serverurl</a:t>
-            </a:r>
-            <a:r>
-              <a:rPr lang="en-US" sz="1400" dirty="0"/>
-              <a:t>}" </a:t>
-            </a:r>
-          </a:p>
-          <a:p>
-            <a:pPr marL="231775" lvl="1" indent="0">
-              <a:spcAft>
-                <a:spcPts val="0"/>
-              </a:spcAft>
-              <a:buNone/>
-            </a:pPr>
-            <a:r>
-              <a:rPr lang="en-US" sz="1400" dirty="0"/>
-              <a:t>      	</a:t>
-            </a:r>
-            <a:r>
-              <a:rPr lang="en-US" sz="1400" dirty="0" err="1"/>
-              <a:t>maxPoll</a:t>
-            </a:r>
-            <a:r>
-              <a:rPr lang="en-US" sz="1400" dirty="0"/>
-              <a:t>="500" </a:t>
-            </a:r>
-            <a:r>
-              <a:rPr lang="en-US" sz="1400" dirty="0" err="1"/>
-              <a:t>pollWaitMillis</a:t>
-            </a:r>
-            <a:r>
-              <a:rPr lang="en-US" sz="1400" dirty="0"/>
-              <a:t>="10000" </a:t>
-            </a:r>
-            <a:r>
-              <a:rPr lang="en-US" sz="1400" dirty="0" err="1"/>
-              <a:t>retrieveTarget</a:t>
-            </a:r>
-            <a:r>
-              <a:rPr lang="en-US" sz="1400" dirty="0"/>
-              <a:t>="${</a:t>
-            </a:r>
-            <a:r>
-              <a:rPr lang="en-US" sz="1400" dirty="0" err="1"/>
-              <a:t>metadata.directory</a:t>
-            </a:r>
-            <a:r>
-              <a:rPr lang="en-US" sz="1400" dirty="0"/>
-              <a:t>}" </a:t>
-            </a:r>
-          </a:p>
-          <a:p>
-            <a:pPr marL="231775" lvl="1" indent="0">
-              <a:spcAft>
-                <a:spcPts val="0"/>
-              </a:spcAft>
-              <a:buNone/>
-            </a:pPr>
-            <a:r>
-              <a:rPr lang="en-US" sz="1400" dirty="0"/>
-              <a:t>      	unpackaged="unpackaged/</a:t>
-            </a:r>
-            <a:r>
-              <a:rPr lang="en-US" sz="1400" dirty="0" err="1"/>
-              <a:t>package.xml</a:t>
-            </a:r>
-            <a:r>
-              <a:rPr lang="en-US" sz="1400" dirty="0"/>
-              <a:t>"/&gt;</a:t>
-            </a:r>
-          </a:p>
-          <a:p>
-            <a:pPr marL="231775" lvl="1" indent="0">
-              <a:spcAft>
-                <a:spcPts val="0"/>
-              </a:spcAft>
-              <a:buNone/>
-            </a:pPr>
-            <a:r>
-              <a:rPr lang="en-US" sz="1400" dirty="0"/>
-              <a:t>		 </a:t>
-            </a:r>
-          </a:p>
-          <a:p>
-            <a:pPr marL="231775" lvl="1" indent="0">
-              <a:spcAft>
-                <a:spcPts val="0"/>
-              </a:spcAft>
-              <a:buNone/>
-            </a:pPr>
-            <a:r>
-              <a:rPr lang="en-US" sz="1400" dirty="0"/>
-              <a:t>	&lt;/target&gt;</a:t>
-            </a:r>
-          </a:p>
-          <a:p>
-            <a:pPr marL="231775" lvl="1" indent="0">
-              <a:spcAft>
-                <a:spcPts val="0"/>
-              </a:spcAft>
-              <a:buNone/>
-            </a:pPr>
-            <a:r>
-              <a:rPr lang="en-US" sz="1400" dirty="0"/>
-              <a:t>	</a:t>
-            </a:r>
-          </a:p>
-          <a:p>
-            <a:pPr marL="231775" lvl="1" indent="0">
-              <a:spcAft>
-                <a:spcPts val="0"/>
-              </a:spcAft>
-              <a:buNone/>
-            </a:pPr>
-            <a:r>
-              <a:rPr lang="en-US" sz="1400" dirty="0"/>
-              <a:t>&lt;/project&gt;</a:t>
-            </a:r>
-            <a:endParaRPr lang="en-US" sz="1400" dirty="0"/>
+            <a:r>
+              <a:rPr lang="en-US" sz="1800" dirty="0" smtClean="0"/>
+              <a:t>Install Apache Ant</a:t>
+            </a:r>
+          </a:p>
+          <a:p>
+            <a:r>
+              <a:rPr lang="en-US" sz="1800" dirty="0" smtClean="0"/>
+              <a:t>Download Force.com Migration Tool</a:t>
+            </a:r>
+          </a:p>
+          <a:p>
+            <a:pPr lvl="1"/>
+            <a:r>
+              <a:rPr lang="en-US" sz="1400" dirty="0" smtClean="0"/>
+              <a:t>Copy ant-salesforce.jar to </a:t>
+            </a:r>
+            <a:r>
+              <a:rPr lang="en-US" sz="1400" b="1" dirty="0" smtClean="0"/>
+              <a:t>/apache-ant-&lt;version&gt;/</a:t>
+            </a:r>
+            <a:r>
+              <a:rPr lang="en-US" sz="1400" dirty="0" smtClean="0"/>
+              <a:t>lib directory </a:t>
+            </a:r>
+          </a:p>
+          <a:p>
+            <a:pPr lvl="1"/>
+            <a:r>
+              <a:rPr lang="en-US" sz="1400" dirty="0" smtClean="0"/>
+              <a:t>Test sample task from command line: ‘ant retrieveUnpackaged’ will retrieve Apex code and pages</a:t>
+            </a:r>
+          </a:p>
+          <a:p>
+            <a:r>
+              <a:rPr lang="en-US" sz="1800" dirty="0" smtClean="0"/>
+              <a:t>Install Git</a:t>
+            </a:r>
+          </a:p>
+          <a:p>
+            <a:r>
+              <a:rPr lang="en-US" sz="1800" dirty="0" smtClean="0"/>
+              <a:t>Install Jenkins</a:t>
+            </a:r>
+          </a:p>
+          <a:p>
+            <a:pPr lvl="1"/>
+            <a:r>
+              <a:rPr lang="en-US" sz="1400" dirty="0" smtClean="0"/>
+              <a:t>Make sure that the Jenkins user has permission to access any files and folders you create </a:t>
+            </a:r>
+          </a:p>
+          <a:p>
+            <a:pPr lvl="2"/>
+            <a:r>
+              <a:rPr lang="en-US" sz="1200" dirty="0" smtClean="0"/>
+              <a:t>You may want to run your dev version of Jenkins under your user id</a:t>
+            </a:r>
+          </a:p>
+          <a:p>
+            <a:endParaRPr lang="en-US" sz="1800" dirty="0" smtClean="0"/>
           </a:p>
         </p:txBody>
       </p:sp>
     </p:spTree>
     <p:extLst>
       <p:ext uri="{BB962C8B-B14F-4D97-AF65-F5344CB8AC3E}">
-        <p14:creationId xmlns:p14="http://schemas.microsoft.com/office/powerpoint/2010/main" val="812274555"/>
+        <p14:creationId xmlns:p14="http://schemas.microsoft.com/office/powerpoint/2010/main" val="1230572146"/>
       </p:ext>
     </p:extLst>
   </p:cSld>
@@ -13875,6 +12903,42 @@
           <a:chExt cx="0" cy="0"/>
         </a:xfrm>
       </p:grpSpPr>
+      <p:pic>
+        <p:nvPicPr>
+          <p:cNvPr id="5" name="Picture 4"/>
+          <p:cNvPicPr>
+            <a:picLocks noChangeAspect="1"/>
+          </p:cNvPicPr>
+          <p:nvPr/>
+        </p:nvPicPr>
+        <p:blipFill rotWithShape="1">
+          <a:blip r:embed="rId2">
+            <a:extLst>
+              <a:ext uri="{28A0092B-C50C-407E-A947-70E740481C1C}">
+                <a14:useLocalDpi xmlns:a14="http://schemas.microsoft.com/office/drawing/2010/main" val="0"/>
+              </a:ext>
+            </a:extLst>
+          </a:blip>
+          <a:srcRect r="7778"/>
+          <a:stretch/>
+        </p:blipFill>
+        <p:spPr>
+          <a:xfrm>
+            <a:off x="1047661" y="2995223"/>
+            <a:ext cx="7589520" cy="2091214"/>
+          </a:xfrm>
+          <a:prstGeom prst="rect">
+            <a:avLst/>
+          </a:prstGeom>
+          <a:effectLst>
+            <a:outerShdw blurRad="50800" dist="38100" dir="2700000" algn="tl" rotWithShape="0">
+              <a:prstClr val="black">
+                <a:alpha val="40000"/>
+              </a:prstClr>
+            </a:outerShdw>
+          </a:effectLst>
+        </p:spPr>
+      </p:pic>
       <p:sp>
         <p:nvSpPr>
           <p:cNvPr id="12" name="Title 11"/>
@@ -13898,24 +12962,8 @@
           <a:lstStyle/>
           <a:p>
             <a:r>
-              <a:rPr lang="en-US" dirty="0"/>
-              <a:t>3: Create </a:t>
-            </a:r>
-            <a:r>
-              <a:rPr lang="en-US" dirty="0" err="1"/>
-              <a:t>git</a:t>
-            </a:r>
-            <a:r>
-              <a:rPr lang="en-US" dirty="0"/>
-              <a:t> shell </a:t>
-            </a:r>
-            <a:r>
-              <a:rPr lang="en-US" dirty="0" smtClean="0"/>
-              <a:t>script </a:t>
-            </a:r>
-            <a:r>
-              <a:rPr lang="en-US" dirty="0" err="1" smtClean="0"/>
-              <a:t>archive_metadata.sh</a:t>
+              <a:rPr lang="en-US" dirty="0" smtClean="0"/>
+              <a:t>Create the Jenkins project</a:t>
             </a:r>
             <a:endParaRPr lang="en-US" dirty="0"/>
           </a:p>
@@ -13938,7 +12986,7 @@
           <a:p>
             <a:fld id="{7F11782B-4B76-8A4A-B6F7-B07ED27A5818}" type="datetime1">
               <a:rPr lang="en-US" smtClean="0"/>
-              <a:t>6/2/16</a:t>
+              <a:t>7/7/16</a:t>
             </a:fld>
             <a:endParaRPr lang="en-US" dirty="0"/>
           </a:p>
@@ -13991,256 +13039,138 @@
           </a:p>
         </p:txBody>
       </p:sp>
-      <p:sp>
-        <p:nvSpPr>
-          <p:cNvPr id="21" name="Content Placeholder 15"/>
-          <p:cNvSpPr>
-            <a:spLocks noGrp="1"/>
-          </p:cNvSpPr>
-          <p:nvPr>
-            <p:ph sz="quarter" idx="4"/>
-          </p:nvPr>
-        </p:nvSpPr>
-        <p:spPr>
-          <a:xfrm>
-            <a:off x="457200" y="1128885"/>
-            <a:ext cx="8229600" cy="5773036"/>
-          </a:xfrm>
-        </p:spPr>
-        <p:txBody>
-          <a:bodyPr>
-            <a:normAutofit/>
-          </a:bodyPr>
+      <p:pic>
+        <p:nvPicPr>
+          <p:cNvPr id="6" name="Picture 5"/>
+          <p:cNvPicPr>
+            <a:picLocks noChangeAspect="1"/>
+          </p:cNvPicPr>
+          <p:nvPr/>
+        </p:nvPicPr>
+        <p:blipFill rotWithShape="1">
+          <a:blip r:embed="rId3">
+            <a:extLst>
+              <a:ext uri="{28A0092B-C50C-407E-A947-70E740481C1C}">
+                <a14:useLocalDpi xmlns:a14="http://schemas.microsoft.com/office/drawing/2010/main" val="0"/>
+              </a:ext>
+            </a:extLst>
+          </a:blip>
+          <a:srcRect r="11150"/>
+          <a:stretch/>
+        </p:blipFill>
+        <p:spPr>
+          <a:xfrm>
+            <a:off x="564943" y="2058322"/>
+            <a:ext cx="7223760" cy="693046"/>
+          </a:xfrm>
+          <a:prstGeom prst="rect">
+            <a:avLst/>
+          </a:prstGeom>
+          <a:effectLst>
+            <a:outerShdw blurRad="50800" dist="38100" dir="2700000" algn="tl" rotWithShape="0">
+              <a:prstClr val="black">
+                <a:alpha val="40000"/>
+              </a:prstClr>
+            </a:outerShdw>
+          </a:effectLst>
+        </p:spPr>
+      </p:pic>
+      <p:sp>
+        <p:nvSpPr>
+          <p:cNvPr id="10" name="Rounded Rectangular Callout 9"/>
+          <p:cNvSpPr/>
+          <p:nvPr/>
+        </p:nvSpPr>
+        <p:spPr>
+          <a:xfrm>
+            <a:off x="5928005" y="3608060"/>
+            <a:ext cx="1860698" cy="512023"/>
+          </a:xfrm>
+          <a:prstGeom prst="wedgeRoundRectCallout">
+            <a:avLst>
+              <a:gd name="adj1" fmla="val -33333"/>
+              <a:gd name="adj2" fmla="val 73459"/>
+              <a:gd name="adj3" fmla="val 16667"/>
+            </a:avLst>
+          </a:prstGeom>
+        </p:spPr>
+        <p:style>
+          <a:lnRef idx="1">
+            <a:schemeClr val="accent1"/>
+          </a:lnRef>
+          <a:fillRef idx="3">
+            <a:schemeClr val="accent1"/>
+          </a:fillRef>
+          <a:effectRef idx="2">
+            <a:schemeClr val="accent1"/>
+          </a:effectRef>
+          <a:fontRef idx="minor">
+            <a:schemeClr val="lt1"/>
+          </a:fontRef>
+        </p:style>
+        <p:txBody>
+          <a:bodyPr rtlCol="0" anchor="ctr"/>
           <a:lstStyle/>
           <a:p>
-            <a:pPr marL="231775" lvl="1" indent="0">
-              <a:spcAft>
-                <a:spcPts val="0"/>
-              </a:spcAft>
-              <a:buNone/>
-            </a:pPr>
-            <a:r>
-              <a:rPr lang="en-US" sz="1400" dirty="0"/>
-              <a:t>#!/bin/bash</a:t>
-            </a:r>
-          </a:p>
-          <a:p>
-            <a:pPr marL="231775" lvl="1" indent="0">
-              <a:spcAft>
-                <a:spcPts val="0"/>
-              </a:spcAft>
-              <a:buNone/>
-            </a:pPr>
-            <a:endParaRPr lang="en-US" sz="1400" dirty="0"/>
-          </a:p>
-          <a:p>
-            <a:pPr marL="231775" lvl="1" indent="0">
-              <a:spcAft>
-                <a:spcPts val="0"/>
-              </a:spcAft>
-              <a:buNone/>
-            </a:pPr>
-            <a:r>
-              <a:rPr lang="en-US" sz="1400" dirty="0"/>
-              <a:t># check if </a:t>
-            </a:r>
-            <a:r>
-              <a:rPr lang="en-US" sz="1400" dirty="0" err="1"/>
-              <a:t>git</a:t>
-            </a:r>
-            <a:r>
-              <a:rPr lang="en-US" sz="1400" dirty="0"/>
-              <a:t> is initialized</a:t>
-            </a:r>
-          </a:p>
-          <a:p>
-            <a:pPr marL="231775" lvl="1" indent="0">
-              <a:spcAft>
-                <a:spcPts val="0"/>
-              </a:spcAft>
-              <a:buNone/>
-            </a:pPr>
-            <a:r>
-              <a:rPr lang="en-US" sz="1400" dirty="0"/>
-              <a:t>ls .</a:t>
-            </a:r>
-            <a:r>
-              <a:rPr lang="en-US" sz="1400" dirty="0" err="1"/>
-              <a:t>git</a:t>
-            </a:r>
-            <a:r>
-              <a:rPr lang="en-US" sz="1400" dirty="0"/>
-              <a:t> &gt; /dev/null</a:t>
-            </a:r>
-          </a:p>
-          <a:p>
-            <a:pPr marL="231775" lvl="1" indent="0">
-              <a:spcAft>
-                <a:spcPts val="0"/>
-              </a:spcAft>
-              <a:buNone/>
-            </a:pPr>
-            <a:r>
-              <a:rPr lang="en-US" sz="1400" dirty="0"/>
-              <a:t>if [ $? != 0 ] ; then</a:t>
-            </a:r>
-          </a:p>
-          <a:p>
-            <a:pPr marL="231775" lvl="1" indent="0">
-              <a:spcAft>
-                <a:spcPts val="0"/>
-              </a:spcAft>
-              <a:buNone/>
-            </a:pPr>
-            <a:r>
-              <a:rPr lang="en-US" sz="1400" dirty="0"/>
-              <a:t>	</a:t>
-            </a:r>
-            <a:r>
-              <a:rPr lang="en-US" sz="1400" dirty="0" err="1"/>
-              <a:t>git</a:t>
-            </a:r>
-            <a:r>
-              <a:rPr lang="en-US" sz="1400" dirty="0"/>
-              <a:t> </a:t>
-            </a:r>
-            <a:r>
-              <a:rPr lang="en-US" sz="1400" dirty="0" err="1"/>
-              <a:t>init</a:t>
-            </a:r>
-            <a:endParaRPr lang="en-US" sz="1400" dirty="0"/>
-          </a:p>
-          <a:p>
-            <a:pPr marL="231775" lvl="1" indent="0">
-              <a:spcAft>
-                <a:spcPts val="0"/>
-              </a:spcAft>
-              <a:buNone/>
-            </a:pPr>
-            <a:r>
-              <a:rPr lang="en-US" sz="1400" dirty="0"/>
-              <a:t>fi</a:t>
-            </a:r>
-          </a:p>
-          <a:p>
-            <a:pPr marL="231775" lvl="1" indent="0">
-              <a:spcAft>
-                <a:spcPts val="0"/>
-              </a:spcAft>
-              <a:buNone/>
-            </a:pPr>
-            <a:r>
-              <a:rPr lang="en-US" sz="1400" dirty="0"/>
-              <a:t>FIRST_ARGUMENT="$1" </a:t>
-            </a:r>
-          </a:p>
-          <a:p>
-            <a:pPr marL="231775" lvl="1" indent="0">
-              <a:spcAft>
-                <a:spcPts val="0"/>
-              </a:spcAft>
-              <a:buNone/>
-            </a:pPr>
-            <a:r>
-              <a:rPr lang="en-US" sz="1400" dirty="0"/>
-              <a:t>echo "Build: $FIRST_ARGUMENT"</a:t>
-            </a:r>
-          </a:p>
-          <a:p>
-            <a:pPr marL="231775" lvl="1" indent="0">
-              <a:spcAft>
-                <a:spcPts val="0"/>
-              </a:spcAft>
-              <a:buNone/>
-            </a:pPr>
-            <a:r>
-              <a:rPr lang="en-US" sz="1400" dirty="0"/>
-              <a:t>echo 	"</a:t>
-            </a:r>
-            <a:r>
-              <a:rPr lang="en-US" sz="1400" dirty="0" err="1"/>
-              <a:t>git</a:t>
-            </a:r>
-            <a:r>
-              <a:rPr lang="en-US" sz="1400" dirty="0"/>
-              <a:t> add *"</a:t>
-            </a:r>
-          </a:p>
-          <a:p>
-            <a:pPr marL="231775" lvl="1" indent="0">
-              <a:spcAft>
-                <a:spcPts val="0"/>
-              </a:spcAft>
-              <a:buNone/>
-            </a:pPr>
-            <a:r>
-              <a:rPr lang="en-US" sz="1400" dirty="0" err="1"/>
-              <a:t>git</a:t>
-            </a:r>
-            <a:r>
-              <a:rPr lang="en-US" sz="1400" dirty="0"/>
-              <a:t> add * </a:t>
-            </a:r>
-          </a:p>
-          <a:p>
-            <a:pPr marL="231775" lvl="1" indent="0">
-              <a:spcAft>
-                <a:spcPts val="0"/>
-              </a:spcAft>
-              <a:buNone/>
-            </a:pPr>
-            <a:r>
-              <a:rPr lang="en-US" sz="1400" dirty="0"/>
-              <a:t>echo 	"</a:t>
-            </a:r>
-            <a:r>
-              <a:rPr lang="en-US" sz="1400" dirty="0" err="1"/>
-              <a:t>git</a:t>
-            </a:r>
-            <a:r>
-              <a:rPr lang="en-US" sz="1400" dirty="0"/>
-              <a:t> commit -a -m \"$FIRST_ARGUMENT\""</a:t>
-            </a:r>
-          </a:p>
-          <a:p>
-            <a:pPr marL="231775" lvl="1" indent="0">
-              <a:spcAft>
-                <a:spcPts val="0"/>
-              </a:spcAft>
-              <a:buNone/>
-            </a:pPr>
-            <a:r>
-              <a:rPr lang="en-US" sz="1400" dirty="0" err="1"/>
-              <a:t>git</a:t>
-            </a:r>
-            <a:r>
-              <a:rPr lang="en-US" sz="1400" dirty="0"/>
-              <a:t> commit -a -m "$FIRST_ARGUMENT"</a:t>
-            </a:r>
-          </a:p>
-          <a:p>
-            <a:pPr marL="231775" lvl="1" indent="0">
-              <a:spcAft>
-                <a:spcPts val="0"/>
-              </a:spcAft>
-              <a:buNone/>
-            </a:pPr>
-            <a:r>
-              <a:rPr lang="en-US" sz="1400" dirty="0" err="1"/>
-              <a:t>git</a:t>
-            </a:r>
-            <a:r>
-              <a:rPr lang="en-US" sz="1400" dirty="0"/>
-              <a:t> tag $FIRST_ARGUMENT</a:t>
-            </a:r>
-            <a:endParaRPr lang="en-US" sz="1400" dirty="0"/>
+            <a:pPr algn="ctr"/>
+            <a:r>
+              <a:rPr lang="en-US" sz="1200" dirty="0" smtClean="0"/>
+              <a:t>Point GitHub to sample repository</a:t>
+            </a:r>
+            <a:endParaRPr lang="en-US" sz="1200" dirty="0"/>
+          </a:p>
+        </p:txBody>
+      </p:sp>
+      <p:sp>
+        <p:nvSpPr>
+          <p:cNvPr id="15" name="Rounded Rectangular Callout 14"/>
+          <p:cNvSpPr/>
+          <p:nvPr/>
+        </p:nvSpPr>
+        <p:spPr>
+          <a:xfrm>
+            <a:off x="4749563" y="5387144"/>
+            <a:ext cx="1860698" cy="512023"/>
+          </a:xfrm>
+          <a:prstGeom prst="wedgeRoundRectCallout">
+            <a:avLst>
+              <a:gd name="adj1" fmla="val -49333"/>
+              <a:gd name="adj2" fmla="val -132122"/>
+              <a:gd name="adj3" fmla="val 16667"/>
+            </a:avLst>
+          </a:prstGeom>
+        </p:spPr>
+        <p:style>
+          <a:lnRef idx="1">
+            <a:schemeClr val="accent1"/>
+          </a:lnRef>
+          <a:fillRef idx="3">
+            <a:schemeClr val="accent1"/>
+          </a:fillRef>
+          <a:effectRef idx="2">
+            <a:schemeClr val="accent1"/>
+          </a:effectRef>
+          <a:fontRef idx="minor">
+            <a:schemeClr val="lt1"/>
+          </a:fontRef>
+        </p:style>
+        <p:txBody>
+          <a:bodyPr rtlCol="0" anchor="ctr"/>
+          <a:lstStyle/>
+          <a:p>
+            <a:pPr algn="ctr"/>
+            <a:r>
+              <a:rPr lang="en-US" sz="1200" dirty="0" smtClean="0"/>
+              <a:t>No credentials required for public repo</a:t>
+            </a:r>
+            <a:endParaRPr lang="en-US" sz="1200" dirty="0"/>
           </a:p>
         </p:txBody>
       </p:sp>
     </p:spTree>
     <p:extLst>
       <p:ext uri="{BB962C8B-B14F-4D97-AF65-F5344CB8AC3E}">
-        <p14:creationId xmlns:p14="http://schemas.microsoft.com/office/powerpoint/2010/main" val="953074017"/>
+        <p14:creationId xmlns:p14="http://schemas.microsoft.com/office/powerpoint/2010/main" val="1129918503"/>
       </p:ext>
     </p:extLst>
   </p:cSld>
@@ -14297,12 +13227,8 @@
           <a:lstStyle/>
           <a:p>
             <a:r>
-              <a:rPr lang="en-US" dirty="0"/>
-              <a:t>4</a:t>
-            </a:r>
-            <a:r>
-              <a:rPr lang="en-US" dirty="0" smtClean="0"/>
-              <a:t>: Create empty Jenkins and run to create workspace</a:t>
+              <a:rPr lang="en-US" dirty="0" smtClean="0"/>
+              <a:t>Click “Build Now to download repo into workspace</a:t>
             </a:r>
             <a:endParaRPr lang="en-US" dirty="0"/>
           </a:p>
@@ -14318,19 +13244,14 @@
             <p:ph type="dt" sz="half" idx="10"/>
           </p:nvPr>
         </p:nvSpPr>
-        <p:spPr>
-          <a:xfrm>
-            <a:off x="691116" y="6213392"/>
-            <a:ext cx="2133600" cy="249385"/>
-          </a:xfrm>
-        </p:spPr>
+        <p:spPr/>
         <p:txBody>
           <a:bodyPr/>
           <a:lstStyle/>
           <a:p>
             <a:fld id="{7F11782B-4B76-8A4A-B6F7-B07ED27A5818}" type="datetime1">
               <a:rPr lang="en-US" smtClean="0"/>
-              <a:t>6/2/16</a:t>
+              <a:t>7/7/16</a:t>
             </a:fld>
             <a:endParaRPr lang="en-US" dirty="0"/>
           </a:p>
@@ -14346,12 +13267,7 @@
             <p:ph type="ftr" sz="quarter" idx="11"/>
           </p:nvPr>
         </p:nvSpPr>
-        <p:spPr>
-          <a:xfrm>
-            <a:off x="3358116" y="6213392"/>
-            <a:ext cx="2895600" cy="249385"/>
-          </a:xfrm>
-        </p:spPr>
+        <p:spPr/>
         <p:txBody>
           <a:bodyPr/>
           <a:lstStyle/>
@@ -14390,8 +13306,10 @@
       </p:sp>
       <p:pic>
         <p:nvPicPr>
-          <p:cNvPr id="13" name="Shape 86"/>
-          <p:cNvPicPr preferRelativeResize="0"/>
+          <p:cNvPr id="5" name="Picture 4"/>
+          <p:cNvPicPr>
+            <a:picLocks noChangeAspect="1"/>
+          </p:cNvPicPr>
           <p:nvPr/>
         </p:nvPicPr>
         <p:blipFill>
@@ -14408,96 +13326,25 @@
         </p:blipFill>
         <p:spPr>
           <a:xfrm>
-            <a:off x="783831" y="1240907"/>
-            <a:ext cx="4332563" cy="627907"/>
+            <a:off x="637953" y="1417052"/>
+            <a:ext cx="8281581" cy="3839861"/>
           </a:xfrm>
           <a:prstGeom prst="rect">
             <a:avLst/>
           </a:prstGeom>
-          <a:noFill/>
-          <a:ln>
-            <a:noFill/>
-          </a:ln>
+          <a:effectLst>
+            <a:outerShdw blurRad="50800" dist="38100" dir="2700000" algn="tl" rotWithShape="0">
+              <a:prstClr val="black">
+                <a:alpha val="40000"/>
+              </a:prstClr>
+            </a:outerShdw>
+          </a:effectLst>
         </p:spPr>
       </p:pic>
-      <p:pic>
-        <p:nvPicPr>
-          <p:cNvPr id="5" name="Picture 4"/>
-          <p:cNvPicPr>
-            <a:picLocks noChangeAspect="1"/>
-          </p:cNvPicPr>
-          <p:nvPr/>
-        </p:nvPicPr>
-        <p:blipFill>
-          <a:blip r:embed="rId3">
-            <a:extLst>
-              <a:ext uri="{28A0092B-C50C-407E-A947-70E740481C1C}">
-                <a14:useLocalDpi xmlns:a14="http://schemas.microsoft.com/office/drawing/2010/main" val="0"/>
-              </a:ext>
-            </a:extLst>
-          </a:blip>
-          <a:stretch>
-            <a:fillRect/>
-          </a:stretch>
-        </p:blipFill>
-        <p:spPr>
-          <a:xfrm>
-            <a:off x="558800" y="2748811"/>
-            <a:ext cx="8026400" cy="2857500"/>
-          </a:xfrm>
-          <a:prstGeom prst="rect">
-            <a:avLst/>
-          </a:prstGeom>
-        </p:spPr>
-      </p:pic>
-      <p:sp>
-        <p:nvSpPr>
-          <p:cNvPr id="6" name="Oval 5"/>
-          <p:cNvSpPr/>
-          <p:nvPr/>
-        </p:nvSpPr>
-        <p:spPr>
-          <a:xfrm>
-            <a:off x="691116" y="3976576"/>
-            <a:ext cx="1786270" cy="404037"/>
-          </a:xfrm>
-          <a:prstGeom prst="ellipse">
-            <a:avLst/>
-          </a:prstGeom>
-          <a:noFill/>
-          <a:ln w="76200">
-            <a:solidFill>
-              <a:srgbClr val="C00000"/>
-            </a:solidFill>
-          </a:ln>
-        </p:spPr>
-        <p:style>
-          <a:lnRef idx="1">
-            <a:schemeClr val="accent1"/>
-          </a:lnRef>
-          <a:fillRef idx="3">
-            <a:schemeClr val="accent1"/>
-          </a:fillRef>
-          <a:effectRef idx="2">
-            <a:schemeClr val="accent1"/>
-          </a:effectRef>
-          <a:fontRef idx="minor">
-            <a:schemeClr val="lt1"/>
-          </a:fontRef>
-        </p:style>
-        <p:txBody>
-          <a:bodyPr rtlCol="0" anchor="ctr"/>
-          <a:lstStyle/>
-          <a:p>
-            <a:pPr algn="ctr"/>
-            <a:endParaRPr lang="en-US"/>
-          </a:p>
-        </p:txBody>
-      </p:sp>
     </p:spTree>
     <p:extLst>
       <p:ext uri="{BB962C8B-B14F-4D97-AF65-F5344CB8AC3E}">
-        <p14:creationId xmlns:p14="http://schemas.microsoft.com/office/powerpoint/2010/main" val="1291907128"/>
+        <p14:creationId xmlns:p14="http://schemas.microsoft.com/office/powerpoint/2010/main" val="1431636187"/>
       </p:ext>
     </p:extLst>
   </p:cSld>
@@ -14555,7 +13402,19 @@
           <a:p>
             <a:r>
               <a:rPr lang="en-US" dirty="0" smtClean="0"/>
-              <a:t>5: Copy files to job workspace</a:t>
+              <a:t>Update </a:t>
+            </a:r>
+            <a:r>
+              <a:rPr lang="en-US" dirty="0" err="1" smtClean="0"/>
+              <a:t>dev.properties</a:t>
+            </a:r>
+            <a:r>
+              <a:rPr lang="en-US" dirty="0"/>
+              <a:t> </a:t>
+            </a:r>
+            <a:r>
+              <a:rPr lang="en-US" dirty="0" smtClean="0"/>
+              <a:t>parameters</a:t>
             </a:r>
             <a:endParaRPr lang="en-US" dirty="0"/>
           </a:p>
@@ -14583,7 +13442,7 @@
           <a:p>
             <a:fld id="{7F11782B-4B76-8A4A-B6F7-B07ED27A5818}" type="datetime1">
               <a:rPr lang="en-US" smtClean="0"/>
-              <a:t>6/2/16</a:t>
+              <a:t>7/7/16</a:t>
             </a:fld>
             <a:endParaRPr lang="en-US" dirty="0"/>
           </a:p>
@@ -14643,11 +13502,13 @@
       </p:sp>
       <p:pic>
         <p:nvPicPr>
-          <p:cNvPr id="13" name="Shape 86"/>
-          <p:cNvPicPr preferRelativeResize="0"/>
+          <p:cNvPr id="5" name="Picture 4"/>
+          <p:cNvPicPr>
+            <a:picLocks noChangeAspect="1"/>
+          </p:cNvPicPr>
           <p:nvPr/>
         </p:nvPicPr>
-        <p:blipFill>
+        <p:blipFill rotWithShape="1">
           <a:blip r:embed="rId2">
             <a:extLst>
               <a:ext uri="{28A0092B-C50C-407E-A947-70E740481C1C}">
@@ -14655,52 +13516,24 @@
               </a:ext>
             </a:extLst>
           </a:blip>
-          <a:stretch>
-            <a:fillRect/>
-          </a:stretch>
+          <a:srcRect r="3479"/>
+          <a:stretch/>
         </p:blipFill>
         <p:spPr>
           <a:xfrm>
-            <a:off x="783831" y="1240907"/>
-            <a:ext cx="4332563" cy="627907"/>
+            <a:off x="634292" y="1469575"/>
+            <a:ext cx="7772400" cy="2740917"/>
           </a:xfrm>
           <a:prstGeom prst="rect">
             <a:avLst/>
           </a:prstGeom>
-          <a:noFill/>
-          <a:ln>
-            <a:noFill/>
-          </a:ln>
-        </p:spPr>
-      </p:pic>
-      <p:pic>
-        <p:nvPicPr>
-          <p:cNvPr id="10" name="Picture 9"/>
-          <p:cNvPicPr>
-            <a:picLocks noChangeAspect="1"/>
-          </p:cNvPicPr>
-          <p:nvPr/>
-        </p:nvPicPr>
-        <p:blipFill>
-          <a:blip r:embed="rId3">
-            <a:extLst>
-              <a:ext uri="{28A0092B-C50C-407E-A947-70E740481C1C}">
-                <a14:useLocalDpi xmlns:a14="http://schemas.microsoft.com/office/drawing/2010/main" val="0"/>
-              </a:ext>
-            </a:extLst>
-          </a:blip>
-          <a:stretch>
-            <a:fillRect/>
-          </a:stretch>
-        </p:blipFill>
-        <p:spPr>
-          <a:xfrm>
-            <a:off x="548640" y="2797726"/>
-            <a:ext cx="8046720" cy="2710347"/>
-          </a:xfrm>
-          <a:prstGeom prst="rect">
-            <a:avLst/>
-          </a:prstGeom>
+          <a:effectLst>
+            <a:outerShdw blurRad="50800" dist="38100" dir="2700000" algn="tl" rotWithShape="0">
+              <a:prstClr val="black">
+                <a:alpha val="40000"/>
+              </a:prstClr>
+            </a:outerShdw>
+          </a:effectLst>
         </p:spPr>
       </p:pic>
     </p:spTree>
@@ -14764,7 +13597,7 @@
           <a:p>
             <a:r>
               <a:rPr lang="en-US" dirty="0" smtClean="0"/>
-              <a:t>6: Configure Jenkins archive project  </a:t>
+              <a:t>Modify the project</a:t>
             </a:r>
             <a:endParaRPr lang="en-US" dirty="0"/>
           </a:p>
@@ -14792,7 +13625,7 @@
           <a:p>
             <a:fld id="{7F11782B-4B76-8A4A-B6F7-B07ED27A5818}" type="datetime1">
               <a:rPr lang="en-US" smtClean="0"/>
-              <a:t>6/2/16</a:t>
+              <a:t>7/7/16</a:t>
             </a:fld>
             <a:endParaRPr lang="en-US" dirty="0"/>
           </a:p>
@@ -14852,12 +13685,46 @@
       </p:sp>
       <p:pic>
         <p:nvPicPr>
-          <p:cNvPr id="13" name="Shape 86"/>
+          <p:cNvPr id="14" name="Shape 87"/>
+          <p:cNvPicPr preferRelativeResize="0"/>
+          <p:nvPr/>
+        </p:nvPicPr>
+        <p:blipFill rotWithShape="1">
+          <a:blip r:embed="rId2">
+            <a:alphaModFix/>
+          </a:blip>
+          <a:srcRect r="1768" b="37138"/>
+          <a:stretch/>
+        </p:blipFill>
+        <p:spPr>
+          <a:xfrm>
+            <a:off x="760228" y="1070936"/>
+            <a:ext cx="7051731" cy="1024456"/>
+          </a:xfrm>
+          <a:prstGeom prst="rect">
+            <a:avLst/>
+          </a:prstGeom>
+          <a:noFill/>
+          <a:ln>
+            <a:noFill/>
+          </a:ln>
+          <a:effectLst>
+            <a:outerShdw blurRad="50800" dist="38100" dir="2700000" algn="tl" rotWithShape="0">
+              <a:prstClr val="black">
+                <a:alpha val="40000"/>
+              </a:prstClr>
+            </a:outerShdw>
+          </a:effectLst>
+        </p:spPr>
+      </p:pic>
+      <p:pic>
+        <p:nvPicPr>
+          <p:cNvPr id="15" name="Shape 88"/>
           <p:cNvPicPr preferRelativeResize="0"/>
           <p:nvPr/>
         </p:nvPicPr>
         <p:blipFill>
-          <a:blip r:embed="rId2">
+          <a:blip r:embed="rId3">
             <a:extLst>
               <a:ext uri="{28A0092B-C50C-407E-A947-70E740481C1C}">
                 <a14:useLocalDpi xmlns:a14="http://schemas.microsoft.com/office/drawing/2010/main" val="0"/>
@@ -14870,8 +13737,8 @@
         </p:blipFill>
         <p:spPr>
           <a:xfrm>
-            <a:off x="783831" y="1240907"/>
-            <a:ext cx="4332563" cy="627907"/>
+            <a:off x="2158542" y="2119597"/>
+            <a:ext cx="6225230" cy="1127072"/>
           </a:xfrm>
           <a:prstGeom prst="rect">
             <a:avLst/>
@@ -14880,60 +13747,13 @@
           <a:ln>
             <a:noFill/>
           </a:ln>
-        </p:spPr>
-      </p:pic>
-      <p:pic>
-        <p:nvPicPr>
-          <p:cNvPr id="14" name="Shape 87"/>
-          <p:cNvPicPr preferRelativeResize="0"/>
-          <p:nvPr/>
-        </p:nvPicPr>
-        <p:blipFill rotWithShape="1">
-          <a:blip r:embed="rId3">
-            <a:alphaModFix/>
-          </a:blip>
-          <a:srcRect r="1768" b="37138"/>
-          <a:stretch/>
-        </p:blipFill>
-        <p:spPr>
-          <a:xfrm>
-            <a:off x="1366732" y="2083888"/>
-            <a:ext cx="7051731" cy="1024456"/>
-          </a:xfrm>
-          <a:prstGeom prst="rect">
-            <a:avLst/>
-          </a:prstGeom>
-          <a:noFill/>
-          <a:ln>
-            <a:noFill/>
-          </a:ln>
-        </p:spPr>
-      </p:pic>
-      <p:pic>
-        <p:nvPicPr>
-          <p:cNvPr id="15" name="Shape 88"/>
-          <p:cNvPicPr preferRelativeResize="0"/>
-          <p:nvPr/>
-        </p:nvPicPr>
-        <p:blipFill rotWithShape="1">
-          <a:blip r:embed="rId4">
-            <a:alphaModFix/>
-          </a:blip>
-          <a:srcRect r="1136" b="25339"/>
-          <a:stretch/>
-        </p:blipFill>
-        <p:spPr>
-          <a:xfrm>
-            <a:off x="833331" y="3290055"/>
-            <a:ext cx="6225230" cy="1266659"/>
-          </a:xfrm>
-          <a:prstGeom prst="rect">
-            <a:avLst/>
-          </a:prstGeom>
-          <a:noFill/>
-          <a:ln>
-            <a:noFill/>
-          </a:ln>
+          <a:effectLst>
+            <a:outerShdw blurRad="50800" dist="38100" dir="2700000" algn="tl" rotWithShape="0">
+              <a:prstClr val="black">
+                <a:alpha val="40000"/>
+              </a:prstClr>
+            </a:outerShdw>
+          </a:effectLst>
         </p:spPr>
       </p:pic>
       <p:pic>
@@ -14943,7 +13763,7 @@
           <p:nvPr/>
         </p:nvPicPr>
         <p:blipFill rotWithShape="1">
-          <a:blip r:embed="rId5">
+          <a:blip r:embed="rId4">
             <a:alphaModFix/>
           </a:blip>
           <a:srcRect b="31053"/>
@@ -14951,7 +13771,7 @@
         </p:blipFill>
         <p:spPr>
           <a:xfrm>
-            <a:off x="1366732" y="4812304"/>
+            <a:off x="691116" y="4114020"/>
             <a:ext cx="4523706" cy="1132865"/>
           </a:xfrm>
           <a:prstGeom prst="rect">
@@ -14963,6 +13783,266 @@
           </a:ln>
         </p:spPr>
       </p:pic>
+      <p:sp>
+        <p:nvSpPr>
+          <p:cNvPr id="11" name="Rounded Rectangular Callout 10"/>
+          <p:cNvSpPr/>
+          <p:nvPr/>
+        </p:nvSpPr>
+        <p:spPr>
+          <a:xfrm>
+            <a:off x="2572926" y="840146"/>
+            <a:ext cx="1860698" cy="512023"/>
+          </a:xfrm>
+          <a:prstGeom prst="wedgeRoundRectCallout">
+            <a:avLst>
+              <a:gd name="adj1" fmla="val -33333"/>
+              <a:gd name="adj2" fmla="val 73459"/>
+              <a:gd name="adj3" fmla="val 16667"/>
+            </a:avLst>
+          </a:prstGeom>
+        </p:spPr>
+        <p:style>
+          <a:lnRef idx="1">
+            <a:schemeClr val="accent1"/>
+          </a:lnRef>
+          <a:fillRef idx="3">
+            <a:schemeClr val="accent1"/>
+          </a:fillRef>
+          <a:effectRef idx="2">
+            <a:schemeClr val="accent1"/>
+          </a:effectRef>
+          <a:fontRef idx="minor">
+            <a:schemeClr val="lt1"/>
+          </a:fontRef>
+        </p:style>
+        <p:txBody>
+          <a:bodyPr rtlCol="0" anchor="ctr"/>
+          <a:lstStyle/>
+          <a:p>
+            <a:pPr algn="ctr"/>
+            <a:r>
+              <a:rPr lang="en-US" sz="1200" dirty="0" smtClean="0"/>
+              <a:t>Schedule job</a:t>
+            </a:r>
+            <a:endParaRPr lang="en-US" sz="1200" dirty="0"/>
+          </a:p>
+        </p:txBody>
+      </p:sp>
+      <p:sp>
+        <p:nvSpPr>
+          <p:cNvPr id="17" name="Rounded Rectangular Callout 16"/>
+          <p:cNvSpPr/>
+          <p:nvPr/>
+        </p:nvSpPr>
+        <p:spPr>
+          <a:xfrm>
+            <a:off x="994144" y="3331567"/>
+            <a:ext cx="7623544" cy="512023"/>
+          </a:xfrm>
+          <a:prstGeom prst="wedgeRoundRectCallout">
+            <a:avLst>
+              <a:gd name="adj1" fmla="val -16515"/>
+              <a:gd name="adj2" fmla="val -103050"/>
+              <a:gd name="adj3" fmla="val 16667"/>
+            </a:avLst>
+          </a:prstGeom>
+        </p:spPr>
+        <p:style>
+          <a:lnRef idx="1">
+            <a:schemeClr val="accent1"/>
+          </a:lnRef>
+          <a:fillRef idx="3">
+            <a:schemeClr val="accent1"/>
+          </a:fillRef>
+          <a:effectRef idx="2">
+            <a:schemeClr val="accent1"/>
+          </a:effectRef>
+          <a:fontRef idx="minor">
+            <a:schemeClr val="lt1"/>
+          </a:fontRef>
+        </p:style>
+        <p:txBody>
+          <a:bodyPr rtlCol="0" anchor="ctr"/>
+          <a:lstStyle/>
+          <a:p>
+            <a:pPr algn="ctr"/>
+            <a:r>
+              <a:rPr lang="en-US" sz="1200" dirty="0" smtClean="0"/>
+              <a:t>Leave blank for defaults or set Ant parameters: </a:t>
+            </a:r>
+          </a:p>
+          <a:p>
+            <a:pPr algn="ctr"/>
+            <a:r>
+              <a:rPr lang="en-US" sz="1200" dirty="0"/>
+              <a:t>-</a:t>
+            </a:r>
+            <a:r>
+              <a:rPr lang="en-US" sz="1200" dirty="0" err="1"/>
+              <a:t>Dsf.serverurl</a:t>
+            </a:r>
+            <a:r>
+              <a:rPr lang="en-US" sz="1200" dirty="0"/>
+              <a:t>=</a:t>
+            </a:r>
+            <a:r>
+              <a:rPr lang="en-US" sz="1200" dirty="0" err="1"/>
+              <a:t>test.salesforce.com</a:t>
+            </a:r>
+            <a:r>
+              <a:rPr lang="en-US" sz="1200" dirty="0"/>
+              <a:t> -</a:t>
+            </a:r>
+            <a:r>
+              <a:rPr lang="en-US" sz="1200" dirty="0" err="1"/>
+              <a:t>Dsf.username</a:t>
+            </a:r>
+            <a:r>
+              <a:rPr lang="en-US" sz="1200" dirty="0"/>
+              <a:t>=&lt;username&gt; -</a:t>
+            </a:r>
+            <a:r>
+              <a:rPr lang="en-US" sz="1200" dirty="0" err="1"/>
+              <a:t>Dsf.password</a:t>
+            </a:r>
+            <a:r>
+              <a:rPr lang="en-US" sz="1200" dirty="0"/>
+              <a:t>=&lt;password + security token&gt;</a:t>
+            </a:r>
+          </a:p>
+        </p:txBody>
+      </p:sp>
+      <p:sp>
+        <p:nvSpPr>
+          <p:cNvPr id="18" name="Rounded Rectangular Callout 17"/>
+          <p:cNvSpPr/>
+          <p:nvPr/>
+        </p:nvSpPr>
+        <p:spPr>
+          <a:xfrm>
+            <a:off x="3310270" y="4042062"/>
+            <a:ext cx="2523460" cy="512023"/>
+          </a:xfrm>
+          <a:prstGeom prst="wedgeRoundRectCallout">
+            <a:avLst>
+              <a:gd name="adj1" fmla="val -33333"/>
+              <a:gd name="adj2" fmla="val 73459"/>
+              <a:gd name="adj3" fmla="val 16667"/>
+            </a:avLst>
+          </a:prstGeom>
+        </p:spPr>
+        <p:style>
+          <a:lnRef idx="1">
+            <a:schemeClr val="accent1"/>
+          </a:lnRef>
+          <a:fillRef idx="3">
+            <a:schemeClr val="accent1"/>
+          </a:fillRef>
+          <a:effectRef idx="2">
+            <a:schemeClr val="accent1"/>
+          </a:effectRef>
+          <a:fontRef idx="minor">
+            <a:schemeClr val="lt1"/>
+          </a:fontRef>
+        </p:style>
+        <p:txBody>
+          <a:bodyPr rtlCol="0" anchor="ctr"/>
+          <a:lstStyle/>
+          <a:p>
+            <a:pPr algn="ctr"/>
+            <a:r>
+              <a:rPr lang="en-US" sz="1200" dirty="0" smtClean="0"/>
+              <a:t>Sample shell script commits changes to local </a:t>
+            </a:r>
+            <a:r>
+              <a:rPr lang="en-US" sz="1200" dirty="0" err="1" smtClean="0"/>
+              <a:t>git</a:t>
+            </a:r>
+            <a:r>
+              <a:rPr lang="en-US" sz="1200" dirty="0" smtClean="0"/>
+              <a:t> repo</a:t>
+            </a:r>
+            <a:endParaRPr lang="en-US" sz="1200" dirty="0"/>
+          </a:p>
+        </p:txBody>
+      </p:sp>
+      <p:pic>
+        <p:nvPicPr>
+          <p:cNvPr id="6" name="Picture 5"/>
+          <p:cNvPicPr>
+            <a:picLocks noChangeAspect="1"/>
+          </p:cNvPicPr>
+          <p:nvPr/>
+        </p:nvPicPr>
+        <p:blipFill>
+          <a:blip r:embed="rId5">
+            <a:extLst>
+              <a:ext uri="{28A0092B-C50C-407E-A947-70E740481C1C}">
+                <a14:useLocalDpi xmlns:a14="http://schemas.microsoft.com/office/drawing/2010/main" val="0"/>
+              </a:ext>
+            </a:extLst>
+          </a:blip>
+          <a:stretch>
+            <a:fillRect/>
+          </a:stretch>
+        </p:blipFill>
+        <p:spPr>
+          <a:xfrm>
+            <a:off x="2824716" y="5455818"/>
+            <a:ext cx="2857500" cy="406400"/>
+          </a:xfrm>
+          <a:prstGeom prst="rect">
+            <a:avLst/>
+          </a:prstGeom>
+        </p:spPr>
+      </p:pic>
+      <p:sp>
+        <p:nvSpPr>
+          <p:cNvPr id="19" name="Rounded Rectangular Callout 18"/>
+          <p:cNvSpPr/>
+          <p:nvPr/>
+        </p:nvSpPr>
+        <p:spPr>
+          <a:xfrm>
+            <a:off x="4999074" y="5318843"/>
+            <a:ext cx="1860698" cy="512023"/>
+          </a:xfrm>
+          <a:prstGeom prst="wedgeRoundRectCallout">
+            <a:avLst>
+              <a:gd name="adj1" fmla="val -90476"/>
+              <a:gd name="adj2" fmla="val 17391"/>
+              <a:gd name="adj3" fmla="val 16667"/>
+            </a:avLst>
+          </a:prstGeom>
+        </p:spPr>
+        <p:style>
+          <a:lnRef idx="1">
+            <a:schemeClr val="accent1"/>
+          </a:lnRef>
+          <a:fillRef idx="3">
+            <a:schemeClr val="accent1"/>
+          </a:fillRef>
+          <a:effectRef idx="2">
+            <a:schemeClr val="accent1"/>
+          </a:effectRef>
+          <a:fontRef idx="minor">
+            <a:schemeClr val="lt1"/>
+          </a:fontRef>
+        </p:style>
+        <p:txBody>
+          <a:bodyPr rtlCol="0" anchor="ctr"/>
+          <a:lstStyle/>
+          <a:p>
+            <a:pPr algn="ctr"/>
+            <a:r>
+              <a:rPr lang="en-US" sz="1200" dirty="0" smtClean="0"/>
+              <a:t>Run job to test</a:t>
+            </a:r>
+            <a:endParaRPr lang="en-US" sz="1200" dirty="0"/>
+          </a:p>
+        </p:txBody>
+      </p:sp>
     </p:spTree>
     <p:extLst>
       <p:ext uri="{BB962C8B-B14F-4D97-AF65-F5344CB8AC3E}">
@@ -15024,7 +14104,7 @@
           <a:p>
             <a:r>
               <a:rPr lang="en-US" dirty="0" smtClean="0"/>
-              <a:t>7: Test Jenkins archive project  </a:t>
+              <a:t>Review Console Output and Workspace</a:t>
             </a:r>
             <a:endParaRPr lang="en-US" dirty="0"/>
           </a:p>
@@ -15052,7 +14132,7 @@
           <a:p>
             <a:fld id="{7F11782B-4B76-8A4A-B6F7-B07ED27A5818}" type="datetime1">
               <a:rPr lang="en-US" smtClean="0"/>
-              <a:t>6/2/16</a:t>
+              <a:t>7/7/16</a:t>
             </a:fld>
             <a:endParaRPr lang="en-US" dirty="0"/>
           </a:p>
@@ -15132,12 +14212,56 @@
         </p:blipFill>
         <p:spPr>
           <a:xfrm>
-            <a:off x="990896" y="867605"/>
-            <a:ext cx="6781504" cy="5673832"/>
+            <a:off x="763772" y="1002987"/>
+            <a:ext cx="5769935" cy="3572576"/>
           </a:xfrm>
           <a:prstGeom prst="rect">
             <a:avLst/>
           </a:prstGeom>
+          <a:effectLst>
+            <a:outerShdw blurRad="50800" dist="38100" dir="2700000" algn="tl" rotWithShape="0">
+              <a:prstClr val="black">
+                <a:alpha val="40000"/>
+              </a:prstClr>
+            </a:outerShdw>
+          </a:effectLst>
+        </p:spPr>
+      </p:pic>
+      <p:pic>
+        <p:nvPicPr>
+          <p:cNvPr id="6" name="Picture 5"/>
+          <p:cNvPicPr>
+            <a:picLocks noChangeAspect="1"/>
+          </p:cNvPicPr>
+          <p:nvPr/>
+        </p:nvPicPr>
+        <p:blipFill>
+          <a:blip r:embed="rId3">
+            <a:extLst>
+              <a:ext uri="{28A0092B-C50C-407E-A947-70E740481C1C}">
+                <a14:useLocalDpi xmlns:a14="http://schemas.microsoft.com/office/drawing/2010/main" val="0"/>
+              </a:ext>
+            </a:extLst>
+          </a:blip>
+          <a:stretch>
+            <a:fillRect/>
+          </a:stretch>
+        </p:blipFill>
+        <p:spPr>
+          <a:xfrm>
+            <a:off x="6329177" y="3303627"/>
+            <a:ext cx="1936603" cy="2758010"/>
+          </a:xfrm>
+          <a:prstGeom prst="rect">
+            <a:avLst/>
+          </a:prstGeom>
+          <a:effectLst>
+            <a:outerShdw blurRad="50800" dist="38100" dir="2700000" algn="tl" rotWithShape="0">
+              <a:prstClr val="black">
+                <a:alpha val="40000"/>
+              </a:prstClr>
+            </a:outerShdw>
+          </a:effectLst>
         </p:spPr>
       </p:pic>
     </p:spTree>

--- a/SalesforceDevTrackingExample.pptx
+++ b/SalesforceDevTrackingExample.pptx
@@ -13597,7 +13597,15 @@
           <a:p>
             <a:r>
               <a:rPr lang="en-US" dirty="0" smtClean="0"/>
-              <a:t>Modify the project</a:t>
+              <a:t>Modify the </a:t>
+            </a:r>
+            <a:r>
+              <a:rPr lang="en-US" dirty="0" smtClean="0"/>
+              <a:t>project and </a:t>
+            </a:r>
+            <a:r>
+              <a:rPr lang="en-US" smtClean="0"/>
+              <a:t>test build</a:t>
             </a:r>
             <a:endParaRPr lang="en-US" dirty="0"/>
           </a:p>
